--- a/02. Presentations/Process_visual.pptx
+++ b/02. Presentations/Process_visual.pptx
@@ -6,10 +6,10 @@
     <p:sldMasterId id="2147483694" r:id="rId5"/>
   </p:sldMasterIdLst>
   <p:notesMasterIdLst>
-    <p:notesMasterId r:id="rId12"/>
+    <p:notesMasterId r:id="rId14"/>
   </p:notesMasterIdLst>
   <p:handoutMasterIdLst>
-    <p:handoutMasterId r:id="rId13"/>
+    <p:handoutMasterId r:id="rId15"/>
   </p:handoutMasterIdLst>
   <p:sldIdLst>
     <p:sldId id="275" r:id="rId6"/>
@@ -17,7 +17,9 @@
     <p:sldId id="277" r:id="rId8"/>
     <p:sldId id="278" r:id="rId9"/>
     <p:sldId id="280" r:id="rId10"/>
-    <p:sldId id="279" r:id="rId11"/>
+    <p:sldId id="281" r:id="rId11"/>
+    <p:sldId id="282" r:id="rId12"/>
+    <p:sldId id="283" r:id="rId13"/>
   </p:sldIdLst>
   <p:sldSz cx="12192000" cy="6858000"/>
   <p:notesSz cx="6858000" cy="9144000"/>
@@ -209,7 +211,7 @@
           <a:p>
             <a:fld id="{8F591CCF-F6FD-734B-854A-5BC033593B1E}" type="datetimeFigureOut">
               <a:rPr lang="nl-NL" smtClean="0"/>
-              <a:t>25-9-2023</a:t>
+              <a:t>13-11-2023</a:t>
             </a:fld>
             <a:endParaRPr lang="nl-NL"/>
           </a:p>
@@ -374,7 +376,7 @@
           <a:p>
             <a:fld id="{23C66214-DB21-4647-B5DA-0D17CA592867}" type="datetimeFigureOut">
               <a:rPr lang="nl-NL" smtClean="0"/>
-              <a:t>25-9-2023</a:t>
+              <a:t>13-11-2023</a:t>
             </a:fld>
             <a:endParaRPr lang="nl-NL"/>
           </a:p>
@@ -1363,7 +1365,7 @@
           <a:p>
             <a:fld id="{DEF7A732-A4AD-4522-B2BE-EB7057D7CF5F}" type="datetime1">
               <a:rPr lang="nl-BE" smtClean="0"/>
-              <a:t>25/09/2023</a:t>
+              <a:t>13/11/2023</a:t>
             </a:fld>
             <a:endParaRPr lang="nl-NL"/>
           </a:p>
@@ -1646,7 +1648,7 @@
           <a:p>
             <a:fld id="{786B981F-AC8F-4D0A-9D3D-054EDA1A26C8}" type="datetime1">
               <a:rPr lang="nl-BE" smtClean="0"/>
-              <a:t>25/09/2023</a:t>
+              <a:t>13/11/2023</a:t>
             </a:fld>
             <a:endParaRPr lang="nl-NL"/>
           </a:p>
@@ -1976,7 +1978,7 @@
           <a:p>
             <a:fld id="{774E5DA5-416E-40CD-977F-95B9AE6C400A}" type="datetime1">
               <a:rPr lang="nl-BE" smtClean="0"/>
-              <a:t>25/09/2023</a:t>
+              <a:t>13/11/2023</a:t>
             </a:fld>
             <a:endParaRPr lang="nl-NL"/>
           </a:p>
@@ -2295,7 +2297,7 @@
           <a:p>
             <a:fld id="{9AB00FA2-5D8E-4EFA-B553-8ED3D3357851}" type="datetime1">
               <a:rPr lang="nl-BE" smtClean="0"/>
-              <a:t>25/09/2023</a:t>
+              <a:t>13/11/2023</a:t>
             </a:fld>
             <a:endParaRPr lang="nl-NL" dirty="0"/>
           </a:p>
@@ -2616,7 +2618,7 @@
           <a:p>
             <a:fld id="{58F13653-D054-4682-85A4-34FDEC5F4E36}" type="datetime1">
               <a:rPr lang="nl-BE" smtClean="0"/>
-              <a:t>25/09/2023</a:t>
+              <a:t>13/11/2023</a:t>
             </a:fld>
             <a:endParaRPr lang="nl-NL" dirty="0"/>
           </a:p>
@@ -2758,7 +2760,7 @@
           <a:p>
             <a:fld id="{62E91AFE-9FCE-477A-9124-C4B80AEF48C7}" type="datetime1">
               <a:rPr lang="nl-BE" smtClean="0"/>
-              <a:t>25/09/2023</a:t>
+              <a:t>13/11/2023</a:t>
             </a:fld>
             <a:endParaRPr lang="nl-NL"/>
           </a:p>
@@ -3242,7 +3244,7 @@
           <a:p>
             <a:fld id="{1C033EDC-A3F7-4F7C-85EB-8F5252324348}" type="datetime1">
               <a:rPr lang="nl-BE" smtClean="0"/>
-              <a:t>25/09/2023</a:t>
+              <a:t>13/11/2023</a:t>
             </a:fld>
             <a:endParaRPr lang="nl-NL" dirty="0"/>
           </a:p>
@@ -3363,7 +3365,7 @@
           <a:p>
             <a:fld id="{6E56B198-CB76-44C8-8B8B-C32C5E4E9FF6}" type="datetime1">
               <a:rPr lang="nl-BE" smtClean="0"/>
-              <a:t>25/09/2023</a:t>
+              <a:t>13/11/2023</a:t>
             </a:fld>
             <a:endParaRPr lang="nl-NL"/>
           </a:p>
@@ -3484,7 +3486,7 @@
           <a:p>
             <a:fld id="{B0F646BC-7054-4704-BB7B-A94419D9C564}" type="datetime1">
               <a:rPr lang="nl-BE" smtClean="0"/>
-              <a:t>25/09/2023</a:t>
+              <a:t>13/11/2023</a:t>
             </a:fld>
             <a:endParaRPr lang="nl-NL"/>
           </a:p>
@@ -3666,7 +3668,7 @@
           <a:p>
             <a:fld id="{A40E7283-2893-48B2-890F-992993862CB2}" type="datetime1">
               <a:rPr lang="nl-BE" smtClean="0"/>
-              <a:t>25/09/2023</a:t>
+              <a:t>13/11/2023</a:t>
             </a:fld>
             <a:endParaRPr lang="nl-NL" dirty="0"/>
           </a:p>
@@ -3950,7 +3952,7 @@
           <a:p>
             <a:fld id="{B056CF81-9F3E-4E96-937E-A73BA19B8937}" type="datetime1">
               <a:rPr lang="nl-BE" smtClean="0"/>
-              <a:t>25/09/2023</a:t>
+              <a:t>13/11/2023</a:t>
             </a:fld>
             <a:endParaRPr lang="nl-NL" dirty="0"/>
           </a:p>
@@ -4591,7 +4593,7 @@
           <a:p>
             <a:fld id="{D0089BD7-EA0B-4494-9FFF-95E6CEB32087}" type="datetime1">
               <a:rPr lang="nl-BE" smtClean="0"/>
-              <a:t>25/09/2023</a:t>
+              <a:t>13/11/2023</a:t>
             </a:fld>
             <a:endParaRPr lang="nl-NL" dirty="0"/>
           </a:p>
@@ -5243,6 +5245,13 @@
               <a:schemeClr val="lt1"/>
             </a:fontRef>
           </p:style>
+          <p:txBody>
+            <a:bodyPr/>
+            <a:lstStyle/>
+            <a:p>
+              <a:endParaRPr lang="en-US"/>
+            </a:p>
+          </p:txBody>
         </p:sp>
         <p:sp>
           <p:nvSpPr>
@@ -5422,6 +5431,13 @@
               <a:schemeClr val="lt1"/>
             </a:fontRef>
           </p:style>
+          <p:txBody>
+            <a:bodyPr/>
+            <a:lstStyle/>
+            <a:p>
+              <a:endParaRPr lang="en-US"/>
+            </a:p>
+          </p:txBody>
         </p:sp>
         <p:sp>
           <p:nvSpPr>
@@ -5556,6 +5572,13 @@
               <a:schemeClr val="lt1"/>
             </a:fontRef>
           </p:style>
+          <p:txBody>
+            <a:bodyPr/>
+            <a:lstStyle/>
+            <a:p>
+              <a:endParaRPr lang="en-US"/>
+            </a:p>
+          </p:txBody>
         </p:sp>
         <p:sp>
           <p:nvSpPr>
@@ -5690,6 +5713,13 @@
               <a:schemeClr val="lt1"/>
             </a:fontRef>
           </p:style>
+          <p:txBody>
+            <a:bodyPr/>
+            <a:lstStyle/>
+            <a:p>
+              <a:endParaRPr lang="en-US"/>
+            </a:p>
+          </p:txBody>
         </p:sp>
         <p:sp>
           <p:nvSpPr>
@@ -6116,6 +6146,13 @@
               <a:schemeClr val="lt1"/>
             </a:fontRef>
           </p:style>
+          <p:txBody>
+            <a:bodyPr/>
+            <a:lstStyle/>
+            <a:p>
+              <a:endParaRPr lang="en-US"/>
+            </a:p>
+          </p:txBody>
         </p:sp>
         <p:sp>
           <p:nvSpPr>
@@ -6250,6 +6287,13 @@
               <a:schemeClr val="lt1"/>
             </a:fontRef>
           </p:style>
+          <p:txBody>
+            <a:bodyPr/>
+            <a:lstStyle/>
+            <a:p>
+              <a:endParaRPr lang="en-US"/>
+            </a:p>
+          </p:txBody>
         </p:sp>
         <p:sp>
           <p:nvSpPr>
@@ -6519,6 +6563,13 @@
               <a:schemeClr val="lt1"/>
             </a:fontRef>
           </p:style>
+          <p:txBody>
+            <a:bodyPr/>
+            <a:lstStyle/>
+            <a:p>
+              <a:endParaRPr lang="en-US"/>
+            </a:p>
+          </p:txBody>
         </p:sp>
         <p:sp>
           <p:nvSpPr>
@@ -6931,6 +6982,13 @@
               <a:schemeClr val="dk1"/>
             </a:fontRef>
           </p:style>
+          <p:txBody>
+            <a:bodyPr/>
+            <a:lstStyle/>
+            <a:p>
+              <a:endParaRPr lang="en-US"/>
+            </a:p>
+          </p:txBody>
         </p:sp>
         <p:sp>
           <p:nvSpPr>
@@ -7084,6 +7142,13 @@
               <a:schemeClr val="lt1"/>
             </a:fontRef>
           </p:style>
+          <p:txBody>
+            <a:bodyPr/>
+            <a:lstStyle/>
+            <a:p>
+              <a:endParaRPr lang="en-US"/>
+            </a:p>
+          </p:txBody>
         </p:sp>
         <p:sp>
           <p:nvSpPr>
@@ -7218,6 +7283,13 @@
               <a:schemeClr val="lt1"/>
             </a:fontRef>
           </p:style>
+          <p:txBody>
+            <a:bodyPr/>
+            <a:lstStyle/>
+            <a:p>
+              <a:endParaRPr lang="en-US"/>
+            </a:p>
+          </p:txBody>
         </p:sp>
         <p:sp>
           <p:nvSpPr>
@@ -7659,6 +7731,13 @@
                 <a:schemeClr val="lt1"/>
               </a:fontRef>
             </p:style>
+            <p:txBody>
+              <a:bodyPr/>
+              <a:lstStyle/>
+              <a:p>
+                <a:endParaRPr lang="en-US"/>
+              </a:p>
+            </p:txBody>
           </p:sp>
           <p:sp>
             <p:nvSpPr>
@@ -7814,6 +7893,13 @@
               <a:schemeClr val="dk1"/>
             </a:fontRef>
           </p:style>
+          <p:txBody>
+            <a:bodyPr/>
+            <a:lstStyle/>
+            <a:p>
+              <a:endParaRPr lang="en-US"/>
+            </a:p>
+          </p:txBody>
         </p:sp>
         <p:sp>
           <p:nvSpPr>
@@ -7933,6 +8019,13 @@
               <a:schemeClr val="dk1"/>
             </a:fontRef>
           </p:style>
+          <p:txBody>
+            <a:bodyPr/>
+            <a:lstStyle/>
+            <a:p>
+              <a:endParaRPr lang="en-US"/>
+            </a:p>
+          </p:txBody>
         </p:sp>
         <p:sp>
           <p:nvSpPr>
@@ -8467,6 +8560,13 @@
               <a:schemeClr val="lt1"/>
             </a:fontRef>
           </p:style>
+          <p:txBody>
+            <a:bodyPr/>
+            <a:lstStyle/>
+            <a:p>
+              <a:endParaRPr lang="en-US"/>
+            </a:p>
+          </p:txBody>
         </p:sp>
         <p:sp>
           <p:nvSpPr>
@@ -8646,6 +8746,13 @@
               <a:schemeClr val="lt1"/>
             </a:fontRef>
           </p:style>
+          <p:txBody>
+            <a:bodyPr/>
+            <a:lstStyle/>
+            <a:p>
+              <a:endParaRPr lang="en-US"/>
+            </a:p>
+          </p:txBody>
         </p:sp>
         <p:sp>
           <p:nvSpPr>
@@ -8780,6 +8887,13 @@
               <a:schemeClr val="lt1"/>
             </a:fontRef>
           </p:style>
+          <p:txBody>
+            <a:bodyPr/>
+            <a:lstStyle/>
+            <a:p>
+              <a:endParaRPr lang="en-US"/>
+            </a:p>
+          </p:txBody>
         </p:sp>
         <p:sp>
           <p:nvSpPr>
@@ -8914,6 +9028,13 @@
               <a:schemeClr val="lt1"/>
             </a:fontRef>
           </p:style>
+          <p:txBody>
+            <a:bodyPr/>
+            <a:lstStyle/>
+            <a:p>
+              <a:endParaRPr lang="en-US"/>
+            </a:p>
+          </p:txBody>
         </p:sp>
         <p:sp>
           <p:nvSpPr>
@@ -9340,6 +9461,13 @@
               <a:schemeClr val="lt1"/>
             </a:fontRef>
           </p:style>
+          <p:txBody>
+            <a:bodyPr/>
+            <a:lstStyle/>
+            <a:p>
+              <a:endParaRPr lang="en-US"/>
+            </a:p>
+          </p:txBody>
         </p:sp>
         <p:sp>
           <p:nvSpPr>
@@ -9474,6 +9602,13 @@
               <a:schemeClr val="lt1"/>
             </a:fontRef>
           </p:style>
+          <p:txBody>
+            <a:bodyPr/>
+            <a:lstStyle/>
+            <a:p>
+              <a:endParaRPr lang="en-US"/>
+            </a:p>
+          </p:txBody>
         </p:sp>
         <p:sp>
           <p:nvSpPr>
@@ -9743,6 +9878,13 @@
               <a:schemeClr val="lt1"/>
             </a:fontRef>
           </p:style>
+          <p:txBody>
+            <a:bodyPr/>
+            <a:lstStyle/>
+            <a:p>
+              <a:endParaRPr lang="en-US"/>
+            </a:p>
+          </p:txBody>
         </p:sp>
         <p:sp>
           <p:nvSpPr>
@@ -10155,6 +10297,13 @@
               <a:schemeClr val="dk1"/>
             </a:fontRef>
           </p:style>
+          <p:txBody>
+            <a:bodyPr/>
+            <a:lstStyle/>
+            <a:p>
+              <a:endParaRPr lang="en-US"/>
+            </a:p>
+          </p:txBody>
         </p:sp>
         <p:sp>
           <p:nvSpPr>
@@ -10308,6 +10457,13 @@
               <a:schemeClr val="lt1"/>
             </a:fontRef>
           </p:style>
+          <p:txBody>
+            <a:bodyPr/>
+            <a:lstStyle/>
+            <a:p>
+              <a:endParaRPr lang="en-US"/>
+            </a:p>
+          </p:txBody>
         </p:sp>
         <p:sp>
           <p:nvSpPr>
@@ -10442,6 +10598,13 @@
               <a:schemeClr val="lt1"/>
             </a:fontRef>
           </p:style>
+          <p:txBody>
+            <a:bodyPr/>
+            <a:lstStyle/>
+            <a:p>
+              <a:endParaRPr lang="en-US"/>
+            </a:p>
+          </p:txBody>
         </p:sp>
         <p:sp>
           <p:nvSpPr>
@@ -10883,6 +11046,13 @@
                 <a:schemeClr val="lt1"/>
               </a:fontRef>
             </p:style>
+            <p:txBody>
+              <a:bodyPr/>
+              <a:lstStyle/>
+              <a:p>
+                <a:endParaRPr lang="en-US"/>
+              </a:p>
+            </p:txBody>
           </p:sp>
           <p:sp>
             <p:nvSpPr>
@@ -11038,6 +11208,13 @@
               <a:schemeClr val="dk1"/>
             </a:fontRef>
           </p:style>
+          <p:txBody>
+            <a:bodyPr/>
+            <a:lstStyle/>
+            <a:p>
+              <a:endParaRPr lang="en-US"/>
+            </a:p>
+          </p:txBody>
         </p:sp>
         <p:sp>
           <p:nvSpPr>
@@ -11157,6 +11334,13 @@
               <a:schemeClr val="dk1"/>
             </a:fontRef>
           </p:style>
+          <p:txBody>
+            <a:bodyPr/>
+            <a:lstStyle/>
+            <a:p>
+              <a:endParaRPr lang="en-US"/>
+            </a:p>
+          </p:txBody>
         </p:sp>
         <p:sp>
           <p:nvSpPr>
@@ -11456,10 +11640,9 @@
           <a:lstStyle/>
           <a:p>
             <a:r>
-              <a:rPr lang="nl-NL" smtClean="0"/>
+              <a:rPr lang="nl-NL"/>
               <a:t>Ingenieurswetenschappen, Werktuigkunde, TME</a:t>
             </a:r>
-            <a:endParaRPr lang="nl-NL"/>
           </a:p>
         </p:txBody>
       </p:sp>
@@ -11581,6 +11764,13 @@
               <a:schemeClr val="lt1"/>
             </a:fontRef>
           </p:style>
+          <p:txBody>
+            <a:bodyPr/>
+            <a:lstStyle/>
+            <a:p>
+              <a:endParaRPr lang="en-US"/>
+            </a:p>
+          </p:txBody>
         </p:sp>
         <p:sp>
           <p:nvSpPr>
@@ -11715,6 +11905,13 @@
               <a:schemeClr val="lt1"/>
             </a:fontRef>
           </p:style>
+          <p:txBody>
+            <a:bodyPr/>
+            <a:lstStyle/>
+            <a:p>
+              <a:endParaRPr lang="en-US"/>
+            </a:p>
+          </p:txBody>
         </p:sp>
         <p:sp>
           <p:nvSpPr>
@@ -11936,6 +12133,13 @@
               <a:schemeClr val="lt1"/>
             </a:fontRef>
           </p:style>
+          <p:txBody>
+            <a:bodyPr/>
+            <a:lstStyle/>
+            <a:p>
+              <a:endParaRPr lang="en-US"/>
+            </a:p>
+          </p:txBody>
         </p:sp>
         <p:sp>
           <p:nvSpPr>
@@ -12159,6 +12363,13 @@
               <a:schemeClr val="lt1"/>
             </a:fontRef>
           </p:style>
+          <p:txBody>
+            <a:bodyPr/>
+            <a:lstStyle/>
+            <a:p>
+              <a:endParaRPr lang="en-US"/>
+            </a:p>
+          </p:txBody>
         </p:sp>
         <p:sp>
           <p:nvSpPr>
@@ -12293,6 +12504,13 @@
               <a:schemeClr val="lt1"/>
             </a:fontRef>
           </p:style>
+          <p:txBody>
+            <a:bodyPr/>
+            <a:lstStyle/>
+            <a:p>
+              <a:endParaRPr lang="en-US"/>
+            </a:p>
+          </p:txBody>
         </p:sp>
         <p:sp>
           <p:nvSpPr>
@@ -12515,6 +12733,13 @@
               <a:schemeClr val="lt1"/>
             </a:fontRef>
           </p:style>
+          <p:txBody>
+            <a:bodyPr/>
+            <a:lstStyle/>
+            <a:p>
+              <a:endParaRPr lang="en-US"/>
+            </a:p>
+          </p:txBody>
         </p:sp>
         <p:sp>
           <p:nvSpPr>
@@ -12570,10 +12795,9 @@
                 <a:buNone/>
               </a:pPr>
               <a:r>
-                <a:rPr lang="en-US" sz="1100" b="1" kern="1200" dirty="0" smtClean="0"/>
+                <a:rPr lang="en-US" sz="1100" b="1" kern="1200" dirty="0"/>
                 <a:t>Relaxed ESOM</a:t>
               </a:r>
-              <a:endParaRPr lang="en-US" sz="1100" b="1" kern="1200" dirty="0"/>
             </a:p>
           </p:txBody>
         </p:sp>
@@ -12659,6 +12883,13 @@
               <a:schemeClr val="dk1"/>
             </a:fontRef>
           </p:style>
+          <p:txBody>
+            <a:bodyPr/>
+            <a:lstStyle/>
+            <a:p>
+              <a:endParaRPr lang="en-US"/>
+            </a:p>
+          </p:txBody>
         </p:sp>
         <p:sp>
           <p:nvSpPr>
@@ -12793,6 +13024,13 @@
               <a:schemeClr val="lt1"/>
             </a:fontRef>
           </p:style>
+          <p:txBody>
+            <a:bodyPr/>
+            <a:lstStyle/>
+            <a:p>
+              <a:endParaRPr lang="en-US"/>
+            </a:p>
+          </p:txBody>
         </p:sp>
         <p:sp>
           <p:nvSpPr>
@@ -12971,6 +13209,13 @@
               <a:schemeClr val="lt1"/>
             </a:fontRef>
           </p:style>
+          <p:txBody>
+            <a:bodyPr/>
+            <a:lstStyle/>
+            <a:p>
+              <a:endParaRPr lang="en-US"/>
+            </a:p>
+          </p:txBody>
         </p:sp>
         <p:sp>
           <p:nvSpPr>
@@ -13026,10 +13271,9 @@
                 <a:buNone/>
               </a:pPr>
               <a:r>
-                <a:rPr lang="en-US" sz="1100" b="1" kern="1200" dirty="0" smtClean="0"/>
+                <a:rPr lang="en-US" sz="1100" b="1" kern="1200" dirty="0"/>
                 <a:t>Relaxed ESOM</a:t>
               </a:r>
-              <a:endParaRPr lang="en-US" sz="1100" b="1" kern="1200" dirty="0"/>
             </a:p>
           </p:txBody>
         </p:sp>
@@ -13091,6 +13335,13 @@
               <a:schemeClr val="dk1"/>
             </a:fontRef>
           </p:style>
+          <p:txBody>
+            <a:bodyPr/>
+            <a:lstStyle/>
+            <a:p>
+              <a:endParaRPr lang="en-US"/>
+            </a:p>
+          </p:txBody>
         </p:sp>
         <p:sp>
           <p:nvSpPr>
@@ -13373,6 +13624,13 @@
               <a:schemeClr val="lt1"/>
             </a:fontRef>
           </p:style>
+          <p:txBody>
+            <a:bodyPr/>
+            <a:lstStyle/>
+            <a:p>
+              <a:endParaRPr lang="en-US"/>
+            </a:p>
+          </p:txBody>
         </p:sp>
         <p:sp>
           <p:nvSpPr>
@@ -13551,6 +13809,13 @@
               <a:schemeClr val="lt1"/>
             </a:fontRef>
           </p:style>
+          <p:txBody>
+            <a:bodyPr/>
+            <a:lstStyle/>
+            <a:p>
+              <a:endParaRPr lang="en-US"/>
+            </a:p>
+          </p:txBody>
         </p:sp>
         <p:sp>
           <p:nvSpPr>
@@ -13769,6 +14034,13 @@
               <a:schemeClr val="lt1"/>
             </a:fontRef>
           </p:style>
+          <p:txBody>
+            <a:bodyPr/>
+            <a:lstStyle/>
+            <a:p>
+              <a:endParaRPr lang="en-US"/>
+            </a:p>
+          </p:txBody>
         </p:sp>
         <p:sp>
           <p:nvSpPr>
@@ -13973,6 +14245,13 @@
               <a:schemeClr val="dk1"/>
             </a:fontRef>
           </p:style>
+          <p:txBody>
+            <a:bodyPr/>
+            <a:lstStyle/>
+            <a:p>
+              <a:endParaRPr lang="en-US"/>
+            </a:p>
+          </p:txBody>
         </p:sp>
         <p:sp>
           <p:nvSpPr>
@@ -14107,6 +14386,13 @@
               <a:schemeClr val="lt1"/>
             </a:fontRef>
           </p:style>
+          <p:txBody>
+            <a:bodyPr/>
+            <a:lstStyle/>
+            <a:p>
+              <a:endParaRPr lang="en-US"/>
+            </a:p>
+          </p:txBody>
         </p:sp>
         <p:sp>
           <p:nvSpPr>
@@ -14241,10 +14527,9 @@
           <a:p>
             <a:pPr algn="ctr"/>
             <a:r>
-              <a:rPr lang="en-GB" sz="1100" b="1" dirty="0" smtClean="0"/>
+              <a:rPr lang="en-GB" sz="1100" b="1" dirty="0"/>
               <a:t>Relaxed ESOM</a:t>
             </a:r>
-            <a:endParaRPr lang="en-GB" sz="1100" b="1" dirty="0"/>
           </a:p>
         </p:txBody>
       </p:sp>
@@ -14405,10 +14690,9 @@
           <a:p>
             <a:pPr algn="ctr"/>
             <a:r>
-              <a:rPr lang="en-GB" sz="1100" b="1" dirty="0" smtClean="0"/>
+              <a:rPr lang="en-GB" sz="1100" b="1" dirty="0"/>
               <a:t>Relaxed ESOM</a:t>
             </a:r>
-            <a:endParaRPr lang="en-GB" sz="1100" b="1" dirty="0"/>
           </a:p>
         </p:txBody>
       </p:sp>
@@ -14532,6 +14816,13 @@
               <a:schemeClr val="lt1"/>
             </a:fontRef>
           </p:style>
+          <p:txBody>
+            <a:bodyPr/>
+            <a:lstStyle/>
+            <a:p>
+              <a:endParaRPr lang="en-US"/>
+            </a:p>
+          </p:txBody>
         </p:sp>
         <p:sp>
           <p:nvSpPr>
@@ -14587,10 +14878,9 @@
                 <a:buNone/>
               </a:pPr>
               <a:r>
-                <a:rPr lang="en-US" sz="1100" b="1" kern="1200" dirty="0" smtClean="0"/>
+                <a:rPr lang="en-US" sz="1100" b="1" kern="1200" dirty="0"/>
                 <a:t>ML algorithm</a:t>
               </a:r>
-              <a:endParaRPr lang="en-US" sz="1100" b="1" kern="1200" dirty="0"/>
             </a:p>
           </p:txBody>
         </p:sp>
@@ -14667,10 +14957,9 @@
           <a:p>
             <a:pPr algn="ctr"/>
             <a:r>
-              <a:rPr lang="en-GB" sz="1100" b="1" dirty="0" smtClean="0"/>
+              <a:rPr lang="en-GB" sz="1100" b="1" dirty="0"/>
               <a:t>Training</a:t>
             </a:r>
-            <a:endParaRPr lang="en-GB" sz="1100" b="1" dirty="0"/>
           </a:p>
         </p:txBody>
       </p:sp>
@@ -14902,6 +15191,13 @@
               <a:schemeClr val="lt1"/>
             </a:fontRef>
           </p:style>
+          <p:txBody>
+            <a:bodyPr/>
+            <a:lstStyle/>
+            <a:p>
+              <a:endParaRPr lang="en-US"/>
+            </a:p>
+          </p:txBody>
         </p:sp>
         <p:sp>
           <p:nvSpPr>
@@ -15036,10 +15332,9 @@
           <a:p>
             <a:pPr algn="ctr"/>
             <a:r>
-              <a:rPr lang="en-GB" sz="1100" b="1" dirty="0" smtClean="0"/>
+              <a:rPr lang="en-GB" sz="1100" b="1" dirty="0"/>
               <a:t>Evaluation</a:t>
             </a:r>
-            <a:endParaRPr lang="en-GB" sz="1100" b="1" dirty="0"/>
           </a:p>
         </p:txBody>
       </p:sp>
@@ -15258,10 +15553,9 @@
           <a:lstStyle/>
           <a:p>
             <a:r>
-              <a:rPr lang="en-US" b="1" dirty="0" smtClean="0"/>
+              <a:rPr lang="en-US" b="1" dirty="0"/>
               <a:t>No temporal reduction</a:t>
             </a:r>
-            <a:endParaRPr lang="en-US" b="1" dirty="0"/>
           </a:p>
         </p:txBody>
       </p:sp>
@@ -15288,10 +15582,9 @@
           <a:lstStyle/>
           <a:p>
             <a:r>
-              <a:rPr lang="en-US" b="1" dirty="0" smtClean="0"/>
+              <a:rPr lang="en-US" b="1" dirty="0"/>
               <a:t>Input-based clustering</a:t>
             </a:r>
-            <a:endParaRPr lang="en-US" b="1" dirty="0"/>
           </a:p>
         </p:txBody>
       </p:sp>
@@ -15318,10 +15611,9 @@
           <a:lstStyle/>
           <a:p>
             <a:r>
-              <a:rPr lang="en-US" b="1" dirty="0" smtClean="0"/>
+              <a:rPr lang="en-US" b="1" dirty="0"/>
               <a:t>Ex-post clustering</a:t>
             </a:r>
-            <a:endParaRPr lang="en-US" b="1" dirty="0"/>
           </a:p>
         </p:txBody>
       </p:sp>
@@ -15348,10 +15640,9 @@
           <a:lstStyle/>
           <a:p>
             <a:r>
-              <a:rPr lang="en-US" sz="1500" b="1" dirty="0" smtClean="0"/>
+              <a:rPr lang="en-US" sz="1500" b="1" dirty="0"/>
               <a:t>NN-assisted Ex-post clustering</a:t>
             </a:r>
-            <a:endParaRPr lang="en-US" sz="1500" b="1" dirty="0"/>
           </a:p>
         </p:txBody>
       </p:sp>
@@ -15552,6 +15843,13 @@
               <a:schemeClr val="lt1"/>
             </a:fontRef>
           </p:style>
+          <p:txBody>
+            <a:bodyPr/>
+            <a:lstStyle/>
+            <a:p>
+              <a:endParaRPr lang="en-US"/>
+            </a:p>
+          </p:txBody>
         </p:sp>
         <p:sp>
           <p:nvSpPr>
@@ -15730,6 +16028,13 @@
               <a:schemeClr val="lt1"/>
             </a:fontRef>
           </p:style>
+          <p:txBody>
+            <a:bodyPr/>
+            <a:lstStyle/>
+            <a:p>
+              <a:endParaRPr lang="en-US"/>
+            </a:p>
+          </p:txBody>
         </p:sp>
         <p:sp>
           <p:nvSpPr>
@@ -15948,6 +16253,13 @@
               <a:schemeClr val="lt1"/>
             </a:fontRef>
           </p:style>
+          <p:txBody>
+            <a:bodyPr/>
+            <a:lstStyle/>
+            <a:p>
+              <a:endParaRPr lang="en-US"/>
+            </a:p>
+          </p:txBody>
         </p:sp>
         <p:sp>
           <p:nvSpPr>
@@ -16152,6 +16464,13 @@
               <a:schemeClr val="dk1"/>
             </a:fontRef>
           </p:style>
+          <p:txBody>
+            <a:bodyPr/>
+            <a:lstStyle/>
+            <a:p>
+              <a:endParaRPr lang="en-US"/>
+            </a:p>
+          </p:txBody>
         </p:sp>
         <p:sp>
           <p:nvSpPr>
@@ -16286,6 +16605,13 @@
               <a:schemeClr val="lt1"/>
             </a:fontRef>
           </p:style>
+          <p:txBody>
+            <a:bodyPr/>
+            <a:lstStyle/>
+            <a:p>
+              <a:endParaRPr lang="en-US"/>
+            </a:p>
+          </p:txBody>
         </p:sp>
         <p:sp>
           <p:nvSpPr>
@@ -16420,10 +16746,9 @@
           <a:p>
             <a:pPr algn="ctr"/>
             <a:r>
-              <a:rPr lang="en-GB" sz="1100" b="1" dirty="0" smtClean="0"/>
+              <a:rPr lang="en-GB" sz="1100" b="1" dirty="0"/>
               <a:t>Relaxed ESOM</a:t>
             </a:r>
-            <a:endParaRPr lang="en-GB" sz="1100" b="1" dirty="0"/>
           </a:p>
         </p:txBody>
       </p:sp>
@@ -16584,10 +16909,9 @@
           <a:p>
             <a:pPr algn="ctr"/>
             <a:r>
-              <a:rPr lang="en-GB" sz="1100" b="1" dirty="0" smtClean="0"/>
+              <a:rPr lang="en-GB" sz="1100" b="1" dirty="0"/>
               <a:t>Relaxed ESOM</a:t>
             </a:r>
-            <a:endParaRPr lang="en-GB" sz="1100" b="1" dirty="0"/>
           </a:p>
         </p:txBody>
       </p:sp>
@@ -16711,6 +17035,13 @@
               <a:schemeClr val="lt1"/>
             </a:fontRef>
           </p:style>
+          <p:txBody>
+            <a:bodyPr/>
+            <a:lstStyle/>
+            <a:p>
+              <a:endParaRPr lang="en-US"/>
+            </a:p>
+          </p:txBody>
         </p:sp>
         <p:sp>
           <p:nvSpPr>
@@ -16766,10 +17097,9 @@
                 <a:buNone/>
               </a:pPr>
               <a:r>
-                <a:rPr lang="en-US" sz="1100" b="1" kern="1200" dirty="0" smtClean="0"/>
+                <a:rPr lang="en-US" sz="1100" b="1" kern="1200" dirty="0"/>
                 <a:t>ML algorithm</a:t>
               </a:r>
-              <a:endParaRPr lang="en-US" sz="1100" b="1" kern="1200" dirty="0"/>
             </a:p>
           </p:txBody>
         </p:sp>
@@ -16846,10 +17176,9 @@
           <a:p>
             <a:pPr algn="ctr"/>
             <a:r>
-              <a:rPr lang="en-GB" sz="1100" b="1" dirty="0" smtClean="0"/>
+              <a:rPr lang="en-GB" sz="1100" b="1" dirty="0"/>
               <a:t>Training</a:t>
             </a:r>
-            <a:endParaRPr lang="en-GB" sz="1100" b="1" dirty="0"/>
           </a:p>
         </p:txBody>
       </p:sp>
@@ -17081,6 +17410,13 @@
               <a:schemeClr val="lt1"/>
             </a:fontRef>
           </p:style>
+          <p:txBody>
+            <a:bodyPr/>
+            <a:lstStyle/>
+            <a:p>
+              <a:endParaRPr lang="en-US"/>
+            </a:p>
+          </p:txBody>
         </p:sp>
         <p:sp>
           <p:nvSpPr>
@@ -17215,10 +17551,9 @@
           <a:p>
             <a:pPr algn="ctr"/>
             <a:r>
-              <a:rPr lang="en-GB" sz="1100" b="1" dirty="0" smtClean="0"/>
+              <a:rPr lang="en-GB" sz="1100" b="1" dirty="0"/>
               <a:t>Evaluation</a:t>
             </a:r>
-            <a:endParaRPr lang="en-GB" sz="1100" b="1" dirty="0"/>
           </a:p>
         </p:txBody>
       </p:sp>
@@ -17437,10 +17772,9 @@
           <a:lstStyle/>
           <a:p>
             <a:r>
-              <a:rPr lang="en-US" b="1" dirty="0" smtClean="0"/>
+              <a:rPr lang="en-US" b="1" dirty="0"/>
               <a:t>No temporal reduction</a:t>
             </a:r>
-            <a:endParaRPr lang="en-US" b="1" dirty="0"/>
           </a:p>
         </p:txBody>
       </p:sp>
@@ -17467,10 +17801,9 @@
           <a:lstStyle/>
           <a:p>
             <a:r>
-              <a:rPr lang="en-US" b="1" dirty="0" smtClean="0"/>
+              <a:rPr lang="en-US" b="1" dirty="0"/>
               <a:t>Input-based clustering</a:t>
             </a:r>
-            <a:endParaRPr lang="en-US" b="1" dirty="0"/>
           </a:p>
         </p:txBody>
       </p:sp>
@@ -17497,10 +17830,9 @@
           <a:lstStyle/>
           <a:p>
             <a:r>
-              <a:rPr lang="en-US" b="1" dirty="0" smtClean="0"/>
+              <a:rPr lang="en-US" b="1" dirty="0"/>
               <a:t>Ex-post clustering</a:t>
             </a:r>
-            <a:endParaRPr lang="en-US" b="1" dirty="0"/>
           </a:p>
         </p:txBody>
       </p:sp>
@@ -17527,10 +17859,9 @@
           <a:lstStyle/>
           <a:p>
             <a:r>
-              <a:rPr lang="en-US" sz="1500" b="1" dirty="0" smtClean="0"/>
+              <a:rPr lang="en-US" sz="1500" b="1" dirty="0"/>
               <a:t>NN-assisted Ex-post clustering</a:t>
             </a:r>
-            <a:endParaRPr lang="en-US" sz="1500" b="1" dirty="0"/>
           </a:p>
         </p:txBody>
       </p:sp>
@@ -17566,7 +17897,13 @@
       </p:grpSpPr>
       <p:sp>
         <p:nvSpPr>
-          <p:cNvPr id="3" name="Footer Placeholder 2"/>
+          <p:cNvPr id="2" name="Footer Placeholder 1">
+            <a:extLst>
+              <a:ext uri="{FF2B5EF4-FFF2-40B4-BE49-F238E27FC236}">
+                <a16:creationId xmlns:a16="http://schemas.microsoft.com/office/drawing/2014/main" id="{14A7DCED-CC23-1C8C-5130-E4FE6BB0463A}"/>
+              </a:ext>
+            </a:extLst>
+          </p:cNvPr>
           <p:cNvSpPr>
             <a:spLocks noGrp="1"/>
           </p:cNvSpPr>
@@ -17580,16 +17917,21 @@
           <a:lstStyle/>
           <a:p>
             <a:r>
-              <a:rPr lang="nl-NL" smtClean="0"/>
+              <a:rPr lang="nl-NL"/>
               <a:t>Ingenieurswetenschappen, Werktuigkunde, TME</a:t>
             </a:r>
-            <a:endParaRPr lang="nl-NL"/>
           </a:p>
         </p:txBody>
       </p:sp>
       <p:sp>
         <p:nvSpPr>
-          <p:cNvPr id="4" name="Slide Number Placeholder 3"/>
+          <p:cNvPr id="3" name="Slide Number Placeholder 2">
+            <a:extLst>
+              <a:ext uri="{FF2B5EF4-FFF2-40B4-BE49-F238E27FC236}">
+                <a16:creationId xmlns:a16="http://schemas.microsoft.com/office/drawing/2014/main" id="{EF0AEDB9-57D2-2E03-5DEF-5A21D06AD9BA}"/>
+              </a:ext>
+            </a:extLst>
+          </p:cNvPr>
           <p:cNvSpPr>
             <a:spLocks noGrp="1"/>
           </p:cNvSpPr>
@@ -17610,10 +17952,540 @@
           </a:p>
         </p:txBody>
       </p:sp>
+      <p:sp>
+        <p:nvSpPr>
+          <p:cNvPr id="4" name="Title 3">
+            <a:extLst>
+              <a:ext uri="{FF2B5EF4-FFF2-40B4-BE49-F238E27FC236}">
+                <a16:creationId xmlns:a16="http://schemas.microsoft.com/office/drawing/2014/main" id="{BB15786B-9627-47A3-BDD1-5416F114454D}"/>
+              </a:ext>
+            </a:extLst>
+          </p:cNvPr>
+          <p:cNvSpPr>
+            <a:spLocks noGrp="1"/>
+          </p:cNvSpPr>
+          <p:nvPr>
+            <p:ph type="title"/>
+          </p:nvPr>
+        </p:nvSpPr>
+        <p:spPr/>
+        <p:txBody>
+          <a:bodyPr/>
+          <a:lstStyle/>
+          <a:p>
+            <a:r>
+              <a:rPr lang="en-US" dirty="0"/>
+              <a:t>Results: 3-bus</a:t>
+            </a:r>
+          </a:p>
+        </p:txBody>
+      </p:sp>
+      <p:pic>
+        <p:nvPicPr>
+          <p:cNvPr id="9" name="Picture 8">
+            <a:extLst>
+              <a:ext uri="{FF2B5EF4-FFF2-40B4-BE49-F238E27FC236}">
+                <a16:creationId xmlns:a16="http://schemas.microsoft.com/office/drawing/2014/main" id="{7649C9D8-ACBD-86E2-38D9-E4F9B9D10E76}"/>
+              </a:ext>
+            </a:extLst>
+          </p:cNvPr>
+          <p:cNvPicPr>
+            <a:picLocks noChangeAspect="1"/>
+          </p:cNvPicPr>
+          <p:nvPr/>
+        </p:nvPicPr>
+        <p:blipFill>
+          <a:blip r:embed="rId2"/>
+          <a:srcRect/>
+          <a:stretch/>
+        </p:blipFill>
+        <p:spPr>
+          <a:xfrm>
+            <a:off x="505917" y="4260454"/>
+            <a:ext cx="3350091" cy="1952625"/>
+          </a:xfrm>
+          <a:prstGeom prst="rect">
+            <a:avLst/>
+          </a:prstGeom>
+        </p:spPr>
+      </p:pic>
+      <p:pic>
+        <p:nvPicPr>
+          <p:cNvPr id="13" name="Picture 12">
+            <a:extLst>
+              <a:ext uri="{FF2B5EF4-FFF2-40B4-BE49-F238E27FC236}">
+                <a16:creationId xmlns:a16="http://schemas.microsoft.com/office/drawing/2014/main" id="{C2D6C115-F0A4-28C3-8A4E-3DC360133915}"/>
+              </a:ext>
+            </a:extLst>
+          </p:cNvPr>
+          <p:cNvPicPr>
+            <a:picLocks noChangeAspect="1"/>
+          </p:cNvPicPr>
+          <p:nvPr/>
+        </p:nvPicPr>
+        <p:blipFill>
+          <a:blip r:embed="rId3"/>
+          <a:srcRect/>
+          <a:stretch/>
+        </p:blipFill>
+        <p:spPr>
+          <a:xfrm>
+            <a:off x="6226706" y="4134963"/>
+            <a:ext cx="5291138" cy="2070445"/>
+          </a:xfrm>
+          <a:prstGeom prst="rect">
+            <a:avLst/>
+          </a:prstGeom>
+        </p:spPr>
+      </p:pic>
+      <p:pic>
+        <p:nvPicPr>
+          <p:cNvPr id="15" name="Picture 14" descr="A chart of different colored bars&#10;&#10;Description automatically generated with medium confidence">
+            <a:extLst>
+              <a:ext uri="{FF2B5EF4-FFF2-40B4-BE49-F238E27FC236}">
+                <a16:creationId xmlns:a16="http://schemas.microsoft.com/office/drawing/2014/main" id="{15C90244-57D9-A67C-BD6C-308A844F6B0F}"/>
+              </a:ext>
+            </a:extLst>
+          </p:cNvPr>
+          <p:cNvPicPr>
+            <a:picLocks noChangeAspect="1"/>
+          </p:cNvPicPr>
+          <p:nvPr/>
+        </p:nvPicPr>
+        <p:blipFill>
+          <a:blip r:embed="rId4"/>
+          <a:stretch>
+            <a:fillRect/>
+          </a:stretch>
+        </p:blipFill>
+        <p:spPr>
+          <a:xfrm>
+            <a:off x="576000" y="1225247"/>
+            <a:ext cx="2762250" cy="2905125"/>
+          </a:xfrm>
+          <a:prstGeom prst="rect">
+            <a:avLst/>
+          </a:prstGeom>
+        </p:spPr>
+      </p:pic>
     </p:spTree>
     <p:extLst>
       <p:ext uri="{BB962C8B-B14F-4D97-AF65-F5344CB8AC3E}">
-        <p14:creationId xmlns:p14="http://schemas.microsoft.com/office/powerpoint/2010/main" val="2422448940"/>
+        <p14:creationId xmlns:p14="http://schemas.microsoft.com/office/powerpoint/2010/main" val="470371118"/>
+      </p:ext>
+    </p:extLst>
+  </p:cSld>
+  <p:clrMapOvr>
+    <a:masterClrMapping/>
+  </p:clrMapOvr>
+</p:sld>
+</file>
+
+<file path=ppt/slides/slide7.xml><?xml version="1.0" encoding="utf-8"?>
+<p:sld xmlns:a="http://schemas.openxmlformats.org/drawingml/2006/main" xmlns:r="http://schemas.openxmlformats.org/officeDocument/2006/relationships" xmlns:p="http://schemas.openxmlformats.org/presentationml/2006/main">
+  <p:cSld>
+    <p:spTree>
+      <p:nvGrpSpPr>
+        <p:cNvPr id="1" name=""/>
+        <p:cNvGrpSpPr/>
+        <p:nvPr/>
+      </p:nvGrpSpPr>
+      <p:grpSpPr>
+        <a:xfrm>
+          <a:off x="0" y="0"/>
+          <a:ext cx="0" cy="0"/>
+          <a:chOff x="0" y="0"/>
+          <a:chExt cx="0" cy="0"/>
+        </a:xfrm>
+      </p:grpSpPr>
+      <p:sp>
+        <p:nvSpPr>
+          <p:cNvPr id="2" name="Footer Placeholder 1">
+            <a:extLst>
+              <a:ext uri="{FF2B5EF4-FFF2-40B4-BE49-F238E27FC236}">
+                <a16:creationId xmlns:a16="http://schemas.microsoft.com/office/drawing/2014/main" id="{14A7DCED-CC23-1C8C-5130-E4FE6BB0463A}"/>
+              </a:ext>
+            </a:extLst>
+          </p:cNvPr>
+          <p:cNvSpPr>
+            <a:spLocks noGrp="1"/>
+          </p:cNvSpPr>
+          <p:nvPr>
+            <p:ph type="ftr" sz="quarter" idx="11"/>
+          </p:nvPr>
+        </p:nvSpPr>
+        <p:spPr/>
+        <p:txBody>
+          <a:bodyPr/>
+          <a:lstStyle/>
+          <a:p>
+            <a:r>
+              <a:rPr lang="nl-NL"/>
+              <a:t>Ingenieurswetenschappen, Werktuigkunde, TME</a:t>
+            </a:r>
+          </a:p>
+        </p:txBody>
+      </p:sp>
+      <p:sp>
+        <p:nvSpPr>
+          <p:cNvPr id="3" name="Slide Number Placeholder 2">
+            <a:extLst>
+              <a:ext uri="{FF2B5EF4-FFF2-40B4-BE49-F238E27FC236}">
+                <a16:creationId xmlns:a16="http://schemas.microsoft.com/office/drawing/2014/main" id="{EF0AEDB9-57D2-2E03-5DEF-5A21D06AD9BA}"/>
+              </a:ext>
+            </a:extLst>
+          </p:cNvPr>
+          <p:cNvSpPr>
+            <a:spLocks noGrp="1"/>
+          </p:cNvSpPr>
+          <p:nvPr>
+            <p:ph type="sldNum" sz="quarter" idx="12"/>
+          </p:nvPr>
+        </p:nvSpPr>
+        <p:spPr/>
+        <p:txBody>
+          <a:bodyPr/>
+          <a:lstStyle/>
+          <a:p>
+            <a:fld id="{0A297500-7527-634B-90F4-69D0994C32B4}" type="slidenum">
+              <a:rPr lang="nl-NL" smtClean="0"/>
+              <a:t>7</a:t>
+            </a:fld>
+            <a:endParaRPr lang="nl-NL"/>
+          </a:p>
+        </p:txBody>
+      </p:sp>
+      <p:sp>
+        <p:nvSpPr>
+          <p:cNvPr id="4" name="Title 3">
+            <a:extLst>
+              <a:ext uri="{FF2B5EF4-FFF2-40B4-BE49-F238E27FC236}">
+                <a16:creationId xmlns:a16="http://schemas.microsoft.com/office/drawing/2014/main" id="{BB15786B-9627-47A3-BDD1-5416F114454D}"/>
+              </a:ext>
+            </a:extLst>
+          </p:cNvPr>
+          <p:cNvSpPr>
+            <a:spLocks noGrp="1"/>
+          </p:cNvSpPr>
+          <p:nvPr>
+            <p:ph type="title"/>
+          </p:nvPr>
+        </p:nvSpPr>
+        <p:spPr/>
+        <p:txBody>
+          <a:bodyPr/>
+          <a:lstStyle/>
+          <a:p>
+            <a:r>
+              <a:rPr lang="en-US" dirty="0"/>
+              <a:t>Results: 9n</a:t>
+            </a:r>
+          </a:p>
+        </p:txBody>
+      </p:sp>
+      <p:pic>
+        <p:nvPicPr>
+          <p:cNvPr id="9" name="Picture 8">
+            <a:extLst>
+              <a:ext uri="{FF2B5EF4-FFF2-40B4-BE49-F238E27FC236}">
+                <a16:creationId xmlns:a16="http://schemas.microsoft.com/office/drawing/2014/main" id="{7649C9D8-ACBD-86E2-38D9-E4F9B9D10E76}"/>
+              </a:ext>
+            </a:extLst>
+          </p:cNvPr>
+          <p:cNvPicPr>
+            <a:picLocks noChangeAspect="1"/>
+          </p:cNvPicPr>
+          <p:nvPr/>
+        </p:nvPicPr>
+        <p:blipFill>
+          <a:blip r:embed="rId2"/>
+          <a:srcRect/>
+          <a:stretch/>
+        </p:blipFill>
+        <p:spPr>
+          <a:xfrm>
+            <a:off x="490275" y="4284266"/>
+            <a:ext cx="3381375" cy="1905000"/>
+          </a:xfrm>
+          <a:prstGeom prst="rect">
+            <a:avLst/>
+          </a:prstGeom>
+        </p:spPr>
+      </p:pic>
+      <p:pic>
+        <p:nvPicPr>
+          <p:cNvPr id="13" name="Picture 12">
+            <a:extLst>
+              <a:ext uri="{FF2B5EF4-FFF2-40B4-BE49-F238E27FC236}">
+                <a16:creationId xmlns:a16="http://schemas.microsoft.com/office/drawing/2014/main" id="{C2D6C115-F0A4-28C3-8A4E-3DC360133915}"/>
+              </a:ext>
+            </a:extLst>
+          </p:cNvPr>
+          <p:cNvPicPr>
+            <a:picLocks noChangeAspect="1"/>
+          </p:cNvPicPr>
+          <p:nvPr/>
+        </p:nvPicPr>
+        <p:blipFill>
+          <a:blip r:embed="rId3"/>
+          <a:srcRect/>
+          <a:stretch/>
+        </p:blipFill>
+        <p:spPr>
+          <a:xfrm>
+            <a:off x="6226706" y="4146619"/>
+            <a:ext cx="5291138" cy="2047134"/>
+          </a:xfrm>
+          <a:prstGeom prst="rect">
+            <a:avLst/>
+          </a:prstGeom>
+        </p:spPr>
+      </p:pic>
+      <p:pic>
+        <p:nvPicPr>
+          <p:cNvPr id="7" name="Picture 6" descr="A group of colorful bars with text&#10;&#10;Description automatically generated with medium confidence">
+            <a:extLst>
+              <a:ext uri="{FF2B5EF4-FFF2-40B4-BE49-F238E27FC236}">
+                <a16:creationId xmlns:a16="http://schemas.microsoft.com/office/drawing/2014/main" id="{4E3137A4-E92C-C24B-89E6-704BD688623C}"/>
+              </a:ext>
+            </a:extLst>
+          </p:cNvPr>
+          <p:cNvPicPr>
+            <a:picLocks noChangeAspect="1"/>
+          </p:cNvPicPr>
+          <p:nvPr/>
+        </p:nvPicPr>
+        <p:blipFill>
+          <a:blip r:embed="rId4"/>
+          <a:stretch>
+            <a:fillRect/>
+          </a:stretch>
+        </p:blipFill>
+        <p:spPr>
+          <a:xfrm>
+            <a:off x="576000" y="1144983"/>
+            <a:ext cx="4019550" cy="2905125"/>
+          </a:xfrm>
+          <a:prstGeom prst="rect">
+            <a:avLst/>
+          </a:prstGeom>
+        </p:spPr>
+      </p:pic>
+    </p:spTree>
+    <p:extLst>
+      <p:ext uri="{BB962C8B-B14F-4D97-AF65-F5344CB8AC3E}">
+        <p14:creationId xmlns:p14="http://schemas.microsoft.com/office/powerpoint/2010/main" val="112422824"/>
+      </p:ext>
+    </p:extLst>
+  </p:cSld>
+  <p:clrMapOvr>
+    <a:masterClrMapping/>
+  </p:clrMapOvr>
+</p:sld>
+</file>
+
+<file path=ppt/slides/slide8.xml><?xml version="1.0" encoding="utf-8"?>
+<p:sld xmlns:a="http://schemas.openxmlformats.org/drawingml/2006/main" xmlns:r="http://schemas.openxmlformats.org/officeDocument/2006/relationships" xmlns:p="http://schemas.openxmlformats.org/presentationml/2006/main">
+  <p:cSld>
+    <p:spTree>
+      <p:nvGrpSpPr>
+        <p:cNvPr id="1" name=""/>
+        <p:cNvGrpSpPr/>
+        <p:nvPr/>
+      </p:nvGrpSpPr>
+      <p:grpSpPr>
+        <a:xfrm>
+          <a:off x="0" y="0"/>
+          <a:ext cx="0" cy="0"/>
+          <a:chOff x="0" y="0"/>
+          <a:chExt cx="0" cy="0"/>
+        </a:xfrm>
+      </p:grpSpPr>
+      <p:sp>
+        <p:nvSpPr>
+          <p:cNvPr id="2" name="Footer Placeholder 1">
+            <a:extLst>
+              <a:ext uri="{FF2B5EF4-FFF2-40B4-BE49-F238E27FC236}">
+                <a16:creationId xmlns:a16="http://schemas.microsoft.com/office/drawing/2014/main" id="{14A7DCED-CC23-1C8C-5130-E4FE6BB0463A}"/>
+              </a:ext>
+            </a:extLst>
+          </p:cNvPr>
+          <p:cNvSpPr>
+            <a:spLocks noGrp="1"/>
+          </p:cNvSpPr>
+          <p:nvPr>
+            <p:ph type="ftr" sz="quarter" idx="11"/>
+          </p:nvPr>
+        </p:nvSpPr>
+        <p:spPr/>
+        <p:txBody>
+          <a:bodyPr/>
+          <a:lstStyle/>
+          <a:p>
+            <a:r>
+              <a:rPr lang="nl-NL"/>
+              <a:t>Ingenieurswetenschappen, Werktuigkunde, TME</a:t>
+            </a:r>
+          </a:p>
+        </p:txBody>
+      </p:sp>
+      <p:sp>
+        <p:nvSpPr>
+          <p:cNvPr id="3" name="Slide Number Placeholder 2">
+            <a:extLst>
+              <a:ext uri="{FF2B5EF4-FFF2-40B4-BE49-F238E27FC236}">
+                <a16:creationId xmlns:a16="http://schemas.microsoft.com/office/drawing/2014/main" id="{EF0AEDB9-57D2-2E03-5DEF-5A21D06AD9BA}"/>
+              </a:ext>
+            </a:extLst>
+          </p:cNvPr>
+          <p:cNvSpPr>
+            <a:spLocks noGrp="1"/>
+          </p:cNvSpPr>
+          <p:nvPr>
+            <p:ph type="sldNum" sz="quarter" idx="12"/>
+          </p:nvPr>
+        </p:nvSpPr>
+        <p:spPr/>
+        <p:txBody>
+          <a:bodyPr/>
+          <a:lstStyle/>
+          <a:p>
+            <a:fld id="{0A297500-7527-634B-90F4-69D0994C32B4}" type="slidenum">
+              <a:rPr lang="nl-NL" smtClean="0"/>
+              <a:t>8</a:t>
+            </a:fld>
+            <a:endParaRPr lang="nl-NL"/>
+          </a:p>
+        </p:txBody>
+      </p:sp>
+      <p:sp>
+        <p:nvSpPr>
+          <p:cNvPr id="4" name="Title 3">
+            <a:extLst>
+              <a:ext uri="{FF2B5EF4-FFF2-40B4-BE49-F238E27FC236}">
+                <a16:creationId xmlns:a16="http://schemas.microsoft.com/office/drawing/2014/main" id="{BB15786B-9627-47A3-BDD1-5416F114454D}"/>
+              </a:ext>
+            </a:extLst>
+          </p:cNvPr>
+          <p:cNvSpPr>
+            <a:spLocks noGrp="1"/>
+          </p:cNvSpPr>
+          <p:nvPr>
+            <p:ph type="title"/>
+          </p:nvPr>
+        </p:nvSpPr>
+        <p:spPr/>
+        <p:txBody>
+          <a:bodyPr/>
+          <a:lstStyle/>
+          <a:p>
+            <a:r>
+              <a:rPr lang="en-US" dirty="0"/>
+              <a:t>Results: RTS24</a:t>
+            </a:r>
+          </a:p>
+        </p:txBody>
+      </p:sp>
+      <p:pic>
+        <p:nvPicPr>
+          <p:cNvPr id="5" name="Graphic 4">
+            <a:extLst>
+              <a:ext uri="{FF2B5EF4-FFF2-40B4-BE49-F238E27FC236}">
+                <a16:creationId xmlns:a16="http://schemas.microsoft.com/office/drawing/2014/main" id="{2E5DDB08-F509-BCB3-8846-7A2FC6DE5F50}"/>
+              </a:ext>
+            </a:extLst>
+          </p:cNvPr>
+          <p:cNvPicPr>
+            <a:picLocks noChangeAspect="1"/>
+          </p:cNvPicPr>
+          <p:nvPr/>
+        </p:nvPicPr>
+        <p:blipFill>
+          <a:blip r:embed="rId2">
+            <a:extLst>
+              <a:ext uri="{96DAC541-7B7A-43D3-8B79-37D633B846F1}">
+                <asvg:svgBlip xmlns:asvg="http://schemas.microsoft.com/office/drawing/2016/SVG/main" r:embed="rId3"/>
+              </a:ext>
+            </a:extLst>
+          </a:blip>
+          <a:stretch>
+            <a:fillRect/>
+          </a:stretch>
+        </p:blipFill>
+        <p:spPr>
+          <a:xfrm>
+            <a:off x="490275" y="1269339"/>
+            <a:ext cx="8382000" cy="2905125"/>
+          </a:xfrm>
+          <a:prstGeom prst="rect">
+            <a:avLst/>
+          </a:prstGeom>
+        </p:spPr>
+      </p:pic>
+      <p:pic>
+        <p:nvPicPr>
+          <p:cNvPr id="9" name="Picture 8" descr="A graph of a number of different colored squares&#10;&#10;Description automatically generated with medium confidence">
+            <a:extLst>
+              <a:ext uri="{FF2B5EF4-FFF2-40B4-BE49-F238E27FC236}">
+                <a16:creationId xmlns:a16="http://schemas.microsoft.com/office/drawing/2014/main" id="{7649C9D8-ACBD-86E2-38D9-E4F9B9D10E76}"/>
+              </a:ext>
+            </a:extLst>
+          </p:cNvPr>
+          <p:cNvPicPr>
+            <a:picLocks noChangeAspect="1"/>
+          </p:cNvPicPr>
+          <p:nvPr/>
+        </p:nvPicPr>
+        <p:blipFill>
+          <a:blip r:embed="rId4"/>
+          <a:stretch>
+            <a:fillRect/>
+          </a:stretch>
+        </p:blipFill>
+        <p:spPr>
+          <a:xfrm>
+            <a:off x="490275" y="4260454"/>
+            <a:ext cx="3381375" cy="1952625"/>
+          </a:xfrm>
+          <a:prstGeom prst="rect">
+            <a:avLst/>
+          </a:prstGeom>
+        </p:spPr>
+      </p:pic>
+      <p:pic>
+        <p:nvPicPr>
+          <p:cNvPr id="13" name="Picture 12" descr="A graph of a number of clusters&#10;&#10;Description automatically generated">
+            <a:extLst>
+              <a:ext uri="{FF2B5EF4-FFF2-40B4-BE49-F238E27FC236}">
+                <a16:creationId xmlns:a16="http://schemas.microsoft.com/office/drawing/2014/main" id="{C2D6C115-F0A4-28C3-8A4E-3DC360133915}"/>
+              </a:ext>
+            </a:extLst>
+          </p:cNvPr>
+          <p:cNvPicPr>
+            <a:picLocks noChangeAspect="1"/>
+          </p:cNvPicPr>
+          <p:nvPr/>
+        </p:nvPicPr>
+        <p:blipFill>
+          <a:blip r:embed="rId5"/>
+          <a:stretch>
+            <a:fillRect/>
+          </a:stretch>
+        </p:blipFill>
+        <p:spPr>
+          <a:xfrm>
+            <a:off x="6226706" y="4130372"/>
+            <a:ext cx="5291138" cy="2079628"/>
+          </a:xfrm>
+          <a:prstGeom prst="rect">
+            <a:avLst/>
+          </a:prstGeom>
+        </p:spPr>
+      </p:pic>
+    </p:spTree>
+    <p:extLst>
+      <p:ext uri="{BB962C8B-B14F-4D97-AF65-F5344CB8AC3E}">
+        <p14:creationId xmlns:p14="http://schemas.microsoft.com/office/powerpoint/2010/main" val="356837687"/>
       </p:ext>
     </p:extLst>
   </p:cSld>
@@ -18668,6 +19540,14 @@
 </file>
 
 <file path=customXml/item1.xml><?xml version="1.0" encoding="utf-8"?>
+<p:properties xmlns:p="http://schemas.microsoft.com/office/2006/metadata/properties" xmlns:xsi="http://www.w3.org/2001/XMLSchema-instance" xmlns:pc="http://schemas.microsoft.com/office/infopath/2007/PartnerControls">
+  <documentManagement>
+    <_activity xmlns="fd689c1b-2561-4a46-ae04-6449f963ff76" xsi:nil="true"/>
+  </documentManagement>
+</p:properties>
+</file>
+
+<file path=customXml/item2.xml><?xml version="1.0" encoding="utf-8"?>
 <ct:contentTypeSchema xmlns:ct="http://schemas.microsoft.com/office/2006/metadata/contentType" xmlns:ma="http://schemas.microsoft.com/office/2006/metadata/properties/metaAttributes" ct:_="" ma:_="" ma:contentTypeName="Document" ma:contentTypeID="0x010100AF89B70DD9C08446A8443DF534F7285E" ma:contentTypeVersion="13" ma:contentTypeDescription="Create a new document." ma:contentTypeScope="" ma:versionID="ecc4e1277db930f2a9760bc5b361f436">
   <xsd:schema xmlns:xsd="http://www.w3.org/2001/XMLSchema" xmlns:xs="http://www.w3.org/2001/XMLSchema" xmlns:p="http://schemas.microsoft.com/office/2006/metadata/properties" xmlns:ns3="fd689c1b-2561-4a46-ae04-6449f963ff76" xmlns:ns4="04677cab-20cd-44d8-974c-14c664890eaa" targetNamespace="http://schemas.microsoft.com/office/2006/metadata/properties" ma:root="true" ma:fieldsID="494f09148d3a63d1912cdfb9c603bec2" ns3:_="" ns4:_="">
     <xsd:import namespace="fd689c1b-2561-4a46-ae04-6449f963ff76"/>
@@ -18888,14 +19768,6 @@
 </ct:contentTypeSchema>
 </file>
 
-<file path=customXml/item2.xml><?xml version="1.0" encoding="utf-8"?>
-<p:properties xmlns:p="http://schemas.microsoft.com/office/2006/metadata/properties" xmlns:xsi="http://www.w3.org/2001/XMLSchema-instance" xmlns:pc="http://schemas.microsoft.com/office/infopath/2007/PartnerControls">
-  <documentManagement>
-    <_activity xmlns="fd689c1b-2561-4a46-ae04-6449f963ff76" xsi:nil="true"/>
-  </documentManagement>
-</p:properties>
-</file>
-
 <file path=customXml/item3.xml><?xml version="1.0" encoding="utf-8"?>
 <?mso-contentType ?>
 <FormTemplates xmlns="http://schemas.microsoft.com/sharepoint/v3/contenttype/forms">
@@ -18906,6 +19778,23 @@
 </file>
 
 <file path=customXml/itemProps1.xml><?xml version="1.0" encoding="utf-8"?>
+<ds:datastoreItem xmlns:ds="http://schemas.openxmlformats.org/officeDocument/2006/customXml" ds:itemID="{6D3CDF3A-BF48-4B5B-B3E9-7B37F916BE05}">
+  <ds:schemaRefs>
+    <ds:schemaRef ds:uri="http://purl.org/dc/terms/"/>
+    <ds:schemaRef ds:uri="http://schemas.openxmlformats.org/package/2006/metadata/core-properties"/>
+    <ds:schemaRef ds:uri="http://purl.org/dc/dcmitype/"/>
+    <ds:schemaRef ds:uri="http://schemas.microsoft.com/office/infopath/2007/PartnerControls"/>
+    <ds:schemaRef ds:uri="http://purl.org/dc/elements/1.1/"/>
+    <ds:schemaRef ds:uri="http://schemas.microsoft.com/office/2006/metadata/properties"/>
+    <ds:schemaRef ds:uri="04677cab-20cd-44d8-974c-14c664890eaa"/>
+    <ds:schemaRef ds:uri="http://schemas.microsoft.com/office/2006/documentManagement/types"/>
+    <ds:schemaRef ds:uri="fd689c1b-2561-4a46-ae04-6449f963ff76"/>
+    <ds:schemaRef ds:uri="http://www.w3.org/XML/1998/namespace"/>
+  </ds:schemaRefs>
+</ds:datastoreItem>
+</file>
+
+<file path=customXml/itemProps2.xml><?xml version="1.0" encoding="utf-8"?>
 <ds:datastoreItem xmlns:ds="http://schemas.openxmlformats.org/officeDocument/2006/customXml" ds:itemID="{038AB51F-98E0-4779-8180-600DAF31B4BF}">
   <ds:schemaRefs>
     <ds:schemaRef ds:uri="http://schemas.microsoft.com/office/2006/metadata/contentType"/>
@@ -18924,23 +19813,6 @@
 </ds:datastoreItem>
 </file>
 
-<file path=customXml/itemProps2.xml><?xml version="1.0" encoding="utf-8"?>
-<ds:datastoreItem xmlns:ds="http://schemas.openxmlformats.org/officeDocument/2006/customXml" ds:itemID="{6D3CDF3A-BF48-4B5B-B3E9-7B37F916BE05}">
-  <ds:schemaRefs>
-    <ds:schemaRef ds:uri="http://purl.org/dc/terms/"/>
-    <ds:schemaRef ds:uri="http://schemas.openxmlformats.org/package/2006/metadata/core-properties"/>
-    <ds:schemaRef ds:uri="http://purl.org/dc/dcmitype/"/>
-    <ds:schemaRef ds:uri="http://schemas.microsoft.com/office/infopath/2007/PartnerControls"/>
-    <ds:schemaRef ds:uri="http://purl.org/dc/elements/1.1/"/>
-    <ds:schemaRef ds:uri="http://schemas.microsoft.com/office/2006/metadata/properties"/>
-    <ds:schemaRef ds:uri="04677cab-20cd-44d8-974c-14c664890eaa"/>
-    <ds:schemaRef ds:uri="http://schemas.microsoft.com/office/2006/documentManagement/types"/>
-    <ds:schemaRef ds:uri="fd689c1b-2561-4a46-ae04-6449f963ff76"/>
-    <ds:schemaRef ds:uri="http://www.w3.org/XML/1998/namespace"/>
-  </ds:schemaRefs>
-</ds:datastoreItem>
-</file>
-
 <file path=customXml/itemProps3.xml><?xml version="1.0" encoding="utf-8"?>
 <ds:datastoreItem xmlns:ds="http://schemas.openxmlformats.org/officeDocument/2006/customXml" ds:itemID="{754D1958-5725-488F-A4D5-DA9E8FDB5252}">
   <ds:schemaRefs>

--- a/02. Presentations/Process_visual.pptx
+++ b/02. Presentations/Process_visual.pptx
@@ -6,10 +6,10 @@
     <p:sldMasterId id="2147483694" r:id="rId5"/>
   </p:sldMasterIdLst>
   <p:notesMasterIdLst>
-    <p:notesMasterId r:id="rId12"/>
+    <p:notesMasterId r:id="rId14"/>
   </p:notesMasterIdLst>
   <p:handoutMasterIdLst>
-    <p:handoutMasterId r:id="rId13"/>
+    <p:handoutMasterId r:id="rId15"/>
   </p:handoutMasterIdLst>
   <p:sldIdLst>
     <p:sldId id="275" r:id="rId6"/>
@@ -17,7 +17,9 @@
     <p:sldId id="277" r:id="rId8"/>
     <p:sldId id="278" r:id="rId9"/>
     <p:sldId id="280" r:id="rId10"/>
-    <p:sldId id="279" r:id="rId11"/>
+    <p:sldId id="281" r:id="rId11"/>
+    <p:sldId id="282" r:id="rId12"/>
+    <p:sldId id="283" r:id="rId13"/>
   </p:sldIdLst>
   <p:sldSz cx="12192000" cy="6858000"/>
   <p:notesSz cx="6858000" cy="9144000"/>
@@ -209,7 +211,7 @@
           <a:p>
             <a:fld id="{8F591CCF-F6FD-734B-854A-5BC033593B1E}" type="datetimeFigureOut">
               <a:rPr lang="nl-NL" smtClean="0"/>
-              <a:t>25-9-2023</a:t>
+              <a:t>13-11-2023</a:t>
             </a:fld>
             <a:endParaRPr lang="nl-NL"/>
           </a:p>
@@ -374,7 +376,7 @@
           <a:p>
             <a:fld id="{23C66214-DB21-4647-B5DA-0D17CA592867}" type="datetimeFigureOut">
               <a:rPr lang="nl-NL" smtClean="0"/>
-              <a:t>25-9-2023</a:t>
+              <a:t>13-11-2023</a:t>
             </a:fld>
             <a:endParaRPr lang="nl-NL"/>
           </a:p>
@@ -1363,7 +1365,7 @@
           <a:p>
             <a:fld id="{DEF7A732-A4AD-4522-B2BE-EB7057D7CF5F}" type="datetime1">
               <a:rPr lang="nl-BE" smtClean="0"/>
-              <a:t>25/09/2023</a:t>
+              <a:t>13/11/2023</a:t>
             </a:fld>
             <a:endParaRPr lang="nl-NL"/>
           </a:p>
@@ -1646,7 +1648,7 @@
           <a:p>
             <a:fld id="{786B981F-AC8F-4D0A-9D3D-054EDA1A26C8}" type="datetime1">
               <a:rPr lang="nl-BE" smtClean="0"/>
-              <a:t>25/09/2023</a:t>
+              <a:t>13/11/2023</a:t>
             </a:fld>
             <a:endParaRPr lang="nl-NL"/>
           </a:p>
@@ -1976,7 +1978,7 @@
           <a:p>
             <a:fld id="{774E5DA5-416E-40CD-977F-95B9AE6C400A}" type="datetime1">
               <a:rPr lang="nl-BE" smtClean="0"/>
-              <a:t>25/09/2023</a:t>
+              <a:t>13/11/2023</a:t>
             </a:fld>
             <a:endParaRPr lang="nl-NL"/>
           </a:p>
@@ -2295,7 +2297,7 @@
           <a:p>
             <a:fld id="{9AB00FA2-5D8E-4EFA-B553-8ED3D3357851}" type="datetime1">
               <a:rPr lang="nl-BE" smtClean="0"/>
-              <a:t>25/09/2023</a:t>
+              <a:t>13/11/2023</a:t>
             </a:fld>
             <a:endParaRPr lang="nl-NL" dirty="0"/>
           </a:p>
@@ -2616,7 +2618,7 @@
           <a:p>
             <a:fld id="{58F13653-D054-4682-85A4-34FDEC5F4E36}" type="datetime1">
               <a:rPr lang="nl-BE" smtClean="0"/>
-              <a:t>25/09/2023</a:t>
+              <a:t>13/11/2023</a:t>
             </a:fld>
             <a:endParaRPr lang="nl-NL" dirty="0"/>
           </a:p>
@@ -2758,7 +2760,7 @@
           <a:p>
             <a:fld id="{62E91AFE-9FCE-477A-9124-C4B80AEF48C7}" type="datetime1">
               <a:rPr lang="nl-BE" smtClean="0"/>
-              <a:t>25/09/2023</a:t>
+              <a:t>13/11/2023</a:t>
             </a:fld>
             <a:endParaRPr lang="nl-NL"/>
           </a:p>
@@ -3242,7 +3244,7 @@
           <a:p>
             <a:fld id="{1C033EDC-A3F7-4F7C-85EB-8F5252324348}" type="datetime1">
               <a:rPr lang="nl-BE" smtClean="0"/>
-              <a:t>25/09/2023</a:t>
+              <a:t>13/11/2023</a:t>
             </a:fld>
             <a:endParaRPr lang="nl-NL" dirty="0"/>
           </a:p>
@@ -3363,7 +3365,7 @@
           <a:p>
             <a:fld id="{6E56B198-CB76-44C8-8B8B-C32C5E4E9FF6}" type="datetime1">
               <a:rPr lang="nl-BE" smtClean="0"/>
-              <a:t>25/09/2023</a:t>
+              <a:t>13/11/2023</a:t>
             </a:fld>
             <a:endParaRPr lang="nl-NL"/>
           </a:p>
@@ -3484,7 +3486,7 @@
           <a:p>
             <a:fld id="{B0F646BC-7054-4704-BB7B-A94419D9C564}" type="datetime1">
               <a:rPr lang="nl-BE" smtClean="0"/>
-              <a:t>25/09/2023</a:t>
+              <a:t>13/11/2023</a:t>
             </a:fld>
             <a:endParaRPr lang="nl-NL"/>
           </a:p>
@@ -3666,7 +3668,7 @@
           <a:p>
             <a:fld id="{A40E7283-2893-48B2-890F-992993862CB2}" type="datetime1">
               <a:rPr lang="nl-BE" smtClean="0"/>
-              <a:t>25/09/2023</a:t>
+              <a:t>13/11/2023</a:t>
             </a:fld>
             <a:endParaRPr lang="nl-NL" dirty="0"/>
           </a:p>
@@ -3950,7 +3952,7 @@
           <a:p>
             <a:fld id="{B056CF81-9F3E-4E96-937E-A73BA19B8937}" type="datetime1">
               <a:rPr lang="nl-BE" smtClean="0"/>
-              <a:t>25/09/2023</a:t>
+              <a:t>13/11/2023</a:t>
             </a:fld>
             <a:endParaRPr lang="nl-NL" dirty="0"/>
           </a:p>
@@ -4591,7 +4593,7 @@
           <a:p>
             <a:fld id="{D0089BD7-EA0B-4494-9FFF-95E6CEB32087}" type="datetime1">
               <a:rPr lang="nl-BE" smtClean="0"/>
-              <a:t>25/09/2023</a:t>
+              <a:t>13/11/2023</a:t>
             </a:fld>
             <a:endParaRPr lang="nl-NL" dirty="0"/>
           </a:p>
@@ -5243,6 +5245,13 @@
               <a:schemeClr val="lt1"/>
             </a:fontRef>
           </p:style>
+          <p:txBody>
+            <a:bodyPr/>
+            <a:lstStyle/>
+            <a:p>
+              <a:endParaRPr lang="en-US"/>
+            </a:p>
+          </p:txBody>
         </p:sp>
         <p:sp>
           <p:nvSpPr>
@@ -5422,6 +5431,13 @@
               <a:schemeClr val="lt1"/>
             </a:fontRef>
           </p:style>
+          <p:txBody>
+            <a:bodyPr/>
+            <a:lstStyle/>
+            <a:p>
+              <a:endParaRPr lang="en-US"/>
+            </a:p>
+          </p:txBody>
         </p:sp>
         <p:sp>
           <p:nvSpPr>
@@ -5556,6 +5572,13 @@
               <a:schemeClr val="lt1"/>
             </a:fontRef>
           </p:style>
+          <p:txBody>
+            <a:bodyPr/>
+            <a:lstStyle/>
+            <a:p>
+              <a:endParaRPr lang="en-US"/>
+            </a:p>
+          </p:txBody>
         </p:sp>
         <p:sp>
           <p:nvSpPr>
@@ -5690,6 +5713,13 @@
               <a:schemeClr val="lt1"/>
             </a:fontRef>
           </p:style>
+          <p:txBody>
+            <a:bodyPr/>
+            <a:lstStyle/>
+            <a:p>
+              <a:endParaRPr lang="en-US"/>
+            </a:p>
+          </p:txBody>
         </p:sp>
         <p:sp>
           <p:nvSpPr>
@@ -6116,6 +6146,13 @@
               <a:schemeClr val="lt1"/>
             </a:fontRef>
           </p:style>
+          <p:txBody>
+            <a:bodyPr/>
+            <a:lstStyle/>
+            <a:p>
+              <a:endParaRPr lang="en-US"/>
+            </a:p>
+          </p:txBody>
         </p:sp>
         <p:sp>
           <p:nvSpPr>
@@ -6250,6 +6287,13 @@
               <a:schemeClr val="lt1"/>
             </a:fontRef>
           </p:style>
+          <p:txBody>
+            <a:bodyPr/>
+            <a:lstStyle/>
+            <a:p>
+              <a:endParaRPr lang="en-US"/>
+            </a:p>
+          </p:txBody>
         </p:sp>
         <p:sp>
           <p:nvSpPr>
@@ -6519,6 +6563,13 @@
               <a:schemeClr val="lt1"/>
             </a:fontRef>
           </p:style>
+          <p:txBody>
+            <a:bodyPr/>
+            <a:lstStyle/>
+            <a:p>
+              <a:endParaRPr lang="en-US"/>
+            </a:p>
+          </p:txBody>
         </p:sp>
         <p:sp>
           <p:nvSpPr>
@@ -6931,6 +6982,13 @@
               <a:schemeClr val="dk1"/>
             </a:fontRef>
           </p:style>
+          <p:txBody>
+            <a:bodyPr/>
+            <a:lstStyle/>
+            <a:p>
+              <a:endParaRPr lang="en-US"/>
+            </a:p>
+          </p:txBody>
         </p:sp>
         <p:sp>
           <p:nvSpPr>
@@ -7084,6 +7142,13 @@
               <a:schemeClr val="lt1"/>
             </a:fontRef>
           </p:style>
+          <p:txBody>
+            <a:bodyPr/>
+            <a:lstStyle/>
+            <a:p>
+              <a:endParaRPr lang="en-US"/>
+            </a:p>
+          </p:txBody>
         </p:sp>
         <p:sp>
           <p:nvSpPr>
@@ -7218,6 +7283,13 @@
               <a:schemeClr val="lt1"/>
             </a:fontRef>
           </p:style>
+          <p:txBody>
+            <a:bodyPr/>
+            <a:lstStyle/>
+            <a:p>
+              <a:endParaRPr lang="en-US"/>
+            </a:p>
+          </p:txBody>
         </p:sp>
         <p:sp>
           <p:nvSpPr>
@@ -7659,6 +7731,13 @@
                 <a:schemeClr val="lt1"/>
               </a:fontRef>
             </p:style>
+            <p:txBody>
+              <a:bodyPr/>
+              <a:lstStyle/>
+              <a:p>
+                <a:endParaRPr lang="en-US"/>
+              </a:p>
+            </p:txBody>
           </p:sp>
           <p:sp>
             <p:nvSpPr>
@@ -7814,6 +7893,13 @@
               <a:schemeClr val="dk1"/>
             </a:fontRef>
           </p:style>
+          <p:txBody>
+            <a:bodyPr/>
+            <a:lstStyle/>
+            <a:p>
+              <a:endParaRPr lang="en-US"/>
+            </a:p>
+          </p:txBody>
         </p:sp>
         <p:sp>
           <p:nvSpPr>
@@ -7933,6 +8019,13 @@
               <a:schemeClr val="dk1"/>
             </a:fontRef>
           </p:style>
+          <p:txBody>
+            <a:bodyPr/>
+            <a:lstStyle/>
+            <a:p>
+              <a:endParaRPr lang="en-US"/>
+            </a:p>
+          </p:txBody>
         </p:sp>
         <p:sp>
           <p:nvSpPr>
@@ -8467,6 +8560,13 @@
               <a:schemeClr val="lt1"/>
             </a:fontRef>
           </p:style>
+          <p:txBody>
+            <a:bodyPr/>
+            <a:lstStyle/>
+            <a:p>
+              <a:endParaRPr lang="en-US"/>
+            </a:p>
+          </p:txBody>
         </p:sp>
         <p:sp>
           <p:nvSpPr>
@@ -8646,6 +8746,13 @@
               <a:schemeClr val="lt1"/>
             </a:fontRef>
           </p:style>
+          <p:txBody>
+            <a:bodyPr/>
+            <a:lstStyle/>
+            <a:p>
+              <a:endParaRPr lang="en-US"/>
+            </a:p>
+          </p:txBody>
         </p:sp>
         <p:sp>
           <p:nvSpPr>
@@ -8780,6 +8887,13 @@
               <a:schemeClr val="lt1"/>
             </a:fontRef>
           </p:style>
+          <p:txBody>
+            <a:bodyPr/>
+            <a:lstStyle/>
+            <a:p>
+              <a:endParaRPr lang="en-US"/>
+            </a:p>
+          </p:txBody>
         </p:sp>
         <p:sp>
           <p:nvSpPr>
@@ -8914,6 +9028,13 @@
               <a:schemeClr val="lt1"/>
             </a:fontRef>
           </p:style>
+          <p:txBody>
+            <a:bodyPr/>
+            <a:lstStyle/>
+            <a:p>
+              <a:endParaRPr lang="en-US"/>
+            </a:p>
+          </p:txBody>
         </p:sp>
         <p:sp>
           <p:nvSpPr>
@@ -9340,6 +9461,13 @@
               <a:schemeClr val="lt1"/>
             </a:fontRef>
           </p:style>
+          <p:txBody>
+            <a:bodyPr/>
+            <a:lstStyle/>
+            <a:p>
+              <a:endParaRPr lang="en-US"/>
+            </a:p>
+          </p:txBody>
         </p:sp>
         <p:sp>
           <p:nvSpPr>
@@ -9474,6 +9602,13 @@
               <a:schemeClr val="lt1"/>
             </a:fontRef>
           </p:style>
+          <p:txBody>
+            <a:bodyPr/>
+            <a:lstStyle/>
+            <a:p>
+              <a:endParaRPr lang="en-US"/>
+            </a:p>
+          </p:txBody>
         </p:sp>
         <p:sp>
           <p:nvSpPr>
@@ -9743,6 +9878,13 @@
               <a:schemeClr val="lt1"/>
             </a:fontRef>
           </p:style>
+          <p:txBody>
+            <a:bodyPr/>
+            <a:lstStyle/>
+            <a:p>
+              <a:endParaRPr lang="en-US"/>
+            </a:p>
+          </p:txBody>
         </p:sp>
         <p:sp>
           <p:nvSpPr>
@@ -10155,6 +10297,13 @@
               <a:schemeClr val="dk1"/>
             </a:fontRef>
           </p:style>
+          <p:txBody>
+            <a:bodyPr/>
+            <a:lstStyle/>
+            <a:p>
+              <a:endParaRPr lang="en-US"/>
+            </a:p>
+          </p:txBody>
         </p:sp>
         <p:sp>
           <p:nvSpPr>
@@ -10308,6 +10457,13 @@
               <a:schemeClr val="lt1"/>
             </a:fontRef>
           </p:style>
+          <p:txBody>
+            <a:bodyPr/>
+            <a:lstStyle/>
+            <a:p>
+              <a:endParaRPr lang="en-US"/>
+            </a:p>
+          </p:txBody>
         </p:sp>
         <p:sp>
           <p:nvSpPr>
@@ -10442,6 +10598,13 @@
               <a:schemeClr val="lt1"/>
             </a:fontRef>
           </p:style>
+          <p:txBody>
+            <a:bodyPr/>
+            <a:lstStyle/>
+            <a:p>
+              <a:endParaRPr lang="en-US"/>
+            </a:p>
+          </p:txBody>
         </p:sp>
         <p:sp>
           <p:nvSpPr>
@@ -10883,6 +11046,13 @@
                 <a:schemeClr val="lt1"/>
               </a:fontRef>
             </p:style>
+            <p:txBody>
+              <a:bodyPr/>
+              <a:lstStyle/>
+              <a:p>
+                <a:endParaRPr lang="en-US"/>
+              </a:p>
+            </p:txBody>
           </p:sp>
           <p:sp>
             <p:nvSpPr>
@@ -11038,6 +11208,13 @@
               <a:schemeClr val="dk1"/>
             </a:fontRef>
           </p:style>
+          <p:txBody>
+            <a:bodyPr/>
+            <a:lstStyle/>
+            <a:p>
+              <a:endParaRPr lang="en-US"/>
+            </a:p>
+          </p:txBody>
         </p:sp>
         <p:sp>
           <p:nvSpPr>
@@ -11157,6 +11334,13 @@
               <a:schemeClr val="dk1"/>
             </a:fontRef>
           </p:style>
+          <p:txBody>
+            <a:bodyPr/>
+            <a:lstStyle/>
+            <a:p>
+              <a:endParaRPr lang="en-US"/>
+            </a:p>
+          </p:txBody>
         </p:sp>
         <p:sp>
           <p:nvSpPr>
@@ -11456,10 +11640,9 @@
           <a:lstStyle/>
           <a:p>
             <a:r>
-              <a:rPr lang="nl-NL" smtClean="0"/>
+              <a:rPr lang="nl-NL"/>
               <a:t>Ingenieurswetenschappen, Werktuigkunde, TME</a:t>
             </a:r>
-            <a:endParaRPr lang="nl-NL"/>
           </a:p>
         </p:txBody>
       </p:sp>
@@ -11581,6 +11764,13 @@
               <a:schemeClr val="lt1"/>
             </a:fontRef>
           </p:style>
+          <p:txBody>
+            <a:bodyPr/>
+            <a:lstStyle/>
+            <a:p>
+              <a:endParaRPr lang="en-US"/>
+            </a:p>
+          </p:txBody>
         </p:sp>
         <p:sp>
           <p:nvSpPr>
@@ -11715,6 +11905,13 @@
               <a:schemeClr val="lt1"/>
             </a:fontRef>
           </p:style>
+          <p:txBody>
+            <a:bodyPr/>
+            <a:lstStyle/>
+            <a:p>
+              <a:endParaRPr lang="en-US"/>
+            </a:p>
+          </p:txBody>
         </p:sp>
         <p:sp>
           <p:nvSpPr>
@@ -11936,6 +12133,13 @@
               <a:schemeClr val="lt1"/>
             </a:fontRef>
           </p:style>
+          <p:txBody>
+            <a:bodyPr/>
+            <a:lstStyle/>
+            <a:p>
+              <a:endParaRPr lang="en-US"/>
+            </a:p>
+          </p:txBody>
         </p:sp>
         <p:sp>
           <p:nvSpPr>
@@ -12159,6 +12363,13 @@
               <a:schemeClr val="lt1"/>
             </a:fontRef>
           </p:style>
+          <p:txBody>
+            <a:bodyPr/>
+            <a:lstStyle/>
+            <a:p>
+              <a:endParaRPr lang="en-US"/>
+            </a:p>
+          </p:txBody>
         </p:sp>
         <p:sp>
           <p:nvSpPr>
@@ -12293,6 +12504,13 @@
               <a:schemeClr val="lt1"/>
             </a:fontRef>
           </p:style>
+          <p:txBody>
+            <a:bodyPr/>
+            <a:lstStyle/>
+            <a:p>
+              <a:endParaRPr lang="en-US"/>
+            </a:p>
+          </p:txBody>
         </p:sp>
         <p:sp>
           <p:nvSpPr>
@@ -12515,6 +12733,13 @@
               <a:schemeClr val="lt1"/>
             </a:fontRef>
           </p:style>
+          <p:txBody>
+            <a:bodyPr/>
+            <a:lstStyle/>
+            <a:p>
+              <a:endParaRPr lang="en-US"/>
+            </a:p>
+          </p:txBody>
         </p:sp>
         <p:sp>
           <p:nvSpPr>
@@ -12570,10 +12795,9 @@
                 <a:buNone/>
               </a:pPr>
               <a:r>
-                <a:rPr lang="en-US" sz="1100" b="1" kern="1200" dirty="0" smtClean="0"/>
+                <a:rPr lang="en-US" sz="1100" b="1" kern="1200" dirty="0"/>
                 <a:t>Relaxed ESOM</a:t>
               </a:r>
-              <a:endParaRPr lang="en-US" sz="1100" b="1" kern="1200" dirty="0"/>
             </a:p>
           </p:txBody>
         </p:sp>
@@ -12659,6 +12883,13 @@
               <a:schemeClr val="dk1"/>
             </a:fontRef>
           </p:style>
+          <p:txBody>
+            <a:bodyPr/>
+            <a:lstStyle/>
+            <a:p>
+              <a:endParaRPr lang="en-US"/>
+            </a:p>
+          </p:txBody>
         </p:sp>
         <p:sp>
           <p:nvSpPr>
@@ -12793,6 +13024,13 @@
               <a:schemeClr val="lt1"/>
             </a:fontRef>
           </p:style>
+          <p:txBody>
+            <a:bodyPr/>
+            <a:lstStyle/>
+            <a:p>
+              <a:endParaRPr lang="en-US"/>
+            </a:p>
+          </p:txBody>
         </p:sp>
         <p:sp>
           <p:nvSpPr>
@@ -12971,6 +13209,13 @@
               <a:schemeClr val="lt1"/>
             </a:fontRef>
           </p:style>
+          <p:txBody>
+            <a:bodyPr/>
+            <a:lstStyle/>
+            <a:p>
+              <a:endParaRPr lang="en-US"/>
+            </a:p>
+          </p:txBody>
         </p:sp>
         <p:sp>
           <p:nvSpPr>
@@ -13026,10 +13271,9 @@
                 <a:buNone/>
               </a:pPr>
               <a:r>
-                <a:rPr lang="en-US" sz="1100" b="1" kern="1200" dirty="0" smtClean="0"/>
+                <a:rPr lang="en-US" sz="1100" b="1" kern="1200" dirty="0"/>
                 <a:t>Relaxed ESOM</a:t>
               </a:r>
-              <a:endParaRPr lang="en-US" sz="1100" b="1" kern="1200" dirty="0"/>
             </a:p>
           </p:txBody>
         </p:sp>
@@ -13091,6 +13335,13 @@
               <a:schemeClr val="dk1"/>
             </a:fontRef>
           </p:style>
+          <p:txBody>
+            <a:bodyPr/>
+            <a:lstStyle/>
+            <a:p>
+              <a:endParaRPr lang="en-US"/>
+            </a:p>
+          </p:txBody>
         </p:sp>
         <p:sp>
           <p:nvSpPr>
@@ -13373,6 +13624,13 @@
               <a:schemeClr val="lt1"/>
             </a:fontRef>
           </p:style>
+          <p:txBody>
+            <a:bodyPr/>
+            <a:lstStyle/>
+            <a:p>
+              <a:endParaRPr lang="en-US"/>
+            </a:p>
+          </p:txBody>
         </p:sp>
         <p:sp>
           <p:nvSpPr>
@@ -13551,6 +13809,13 @@
               <a:schemeClr val="lt1"/>
             </a:fontRef>
           </p:style>
+          <p:txBody>
+            <a:bodyPr/>
+            <a:lstStyle/>
+            <a:p>
+              <a:endParaRPr lang="en-US"/>
+            </a:p>
+          </p:txBody>
         </p:sp>
         <p:sp>
           <p:nvSpPr>
@@ -13769,6 +14034,13 @@
               <a:schemeClr val="lt1"/>
             </a:fontRef>
           </p:style>
+          <p:txBody>
+            <a:bodyPr/>
+            <a:lstStyle/>
+            <a:p>
+              <a:endParaRPr lang="en-US"/>
+            </a:p>
+          </p:txBody>
         </p:sp>
         <p:sp>
           <p:nvSpPr>
@@ -13973,6 +14245,13 @@
               <a:schemeClr val="dk1"/>
             </a:fontRef>
           </p:style>
+          <p:txBody>
+            <a:bodyPr/>
+            <a:lstStyle/>
+            <a:p>
+              <a:endParaRPr lang="en-US"/>
+            </a:p>
+          </p:txBody>
         </p:sp>
         <p:sp>
           <p:nvSpPr>
@@ -14107,6 +14386,13 @@
               <a:schemeClr val="lt1"/>
             </a:fontRef>
           </p:style>
+          <p:txBody>
+            <a:bodyPr/>
+            <a:lstStyle/>
+            <a:p>
+              <a:endParaRPr lang="en-US"/>
+            </a:p>
+          </p:txBody>
         </p:sp>
         <p:sp>
           <p:nvSpPr>
@@ -14241,10 +14527,9 @@
           <a:p>
             <a:pPr algn="ctr"/>
             <a:r>
-              <a:rPr lang="en-GB" sz="1100" b="1" dirty="0" smtClean="0"/>
+              <a:rPr lang="en-GB" sz="1100" b="1" dirty="0"/>
               <a:t>Relaxed ESOM</a:t>
             </a:r>
-            <a:endParaRPr lang="en-GB" sz="1100" b="1" dirty="0"/>
           </a:p>
         </p:txBody>
       </p:sp>
@@ -14405,10 +14690,9 @@
           <a:p>
             <a:pPr algn="ctr"/>
             <a:r>
-              <a:rPr lang="en-GB" sz="1100" b="1" dirty="0" smtClean="0"/>
+              <a:rPr lang="en-GB" sz="1100" b="1" dirty="0"/>
               <a:t>Relaxed ESOM</a:t>
             </a:r>
-            <a:endParaRPr lang="en-GB" sz="1100" b="1" dirty="0"/>
           </a:p>
         </p:txBody>
       </p:sp>
@@ -14532,6 +14816,13 @@
               <a:schemeClr val="lt1"/>
             </a:fontRef>
           </p:style>
+          <p:txBody>
+            <a:bodyPr/>
+            <a:lstStyle/>
+            <a:p>
+              <a:endParaRPr lang="en-US"/>
+            </a:p>
+          </p:txBody>
         </p:sp>
         <p:sp>
           <p:nvSpPr>
@@ -14587,10 +14878,9 @@
                 <a:buNone/>
               </a:pPr>
               <a:r>
-                <a:rPr lang="en-US" sz="1100" b="1" kern="1200" dirty="0" smtClean="0"/>
+                <a:rPr lang="en-US" sz="1100" b="1" kern="1200" dirty="0"/>
                 <a:t>ML algorithm</a:t>
               </a:r>
-              <a:endParaRPr lang="en-US" sz="1100" b="1" kern="1200" dirty="0"/>
             </a:p>
           </p:txBody>
         </p:sp>
@@ -14667,10 +14957,9 @@
           <a:p>
             <a:pPr algn="ctr"/>
             <a:r>
-              <a:rPr lang="en-GB" sz="1100" b="1" dirty="0" smtClean="0"/>
+              <a:rPr lang="en-GB" sz="1100" b="1" dirty="0"/>
               <a:t>Training</a:t>
             </a:r>
-            <a:endParaRPr lang="en-GB" sz="1100" b="1" dirty="0"/>
           </a:p>
         </p:txBody>
       </p:sp>
@@ -14902,6 +15191,13 @@
               <a:schemeClr val="lt1"/>
             </a:fontRef>
           </p:style>
+          <p:txBody>
+            <a:bodyPr/>
+            <a:lstStyle/>
+            <a:p>
+              <a:endParaRPr lang="en-US"/>
+            </a:p>
+          </p:txBody>
         </p:sp>
         <p:sp>
           <p:nvSpPr>
@@ -15036,10 +15332,9 @@
           <a:p>
             <a:pPr algn="ctr"/>
             <a:r>
-              <a:rPr lang="en-GB" sz="1100" b="1" dirty="0" smtClean="0"/>
+              <a:rPr lang="en-GB" sz="1100" b="1" dirty="0"/>
               <a:t>Evaluation</a:t>
             </a:r>
-            <a:endParaRPr lang="en-GB" sz="1100" b="1" dirty="0"/>
           </a:p>
         </p:txBody>
       </p:sp>
@@ -15258,10 +15553,9 @@
           <a:lstStyle/>
           <a:p>
             <a:r>
-              <a:rPr lang="en-US" b="1" dirty="0" smtClean="0"/>
+              <a:rPr lang="en-US" b="1" dirty="0"/>
               <a:t>No temporal reduction</a:t>
             </a:r>
-            <a:endParaRPr lang="en-US" b="1" dirty="0"/>
           </a:p>
         </p:txBody>
       </p:sp>
@@ -15288,10 +15582,9 @@
           <a:lstStyle/>
           <a:p>
             <a:r>
-              <a:rPr lang="en-US" b="1" dirty="0" smtClean="0"/>
+              <a:rPr lang="en-US" b="1" dirty="0"/>
               <a:t>Input-based clustering</a:t>
             </a:r>
-            <a:endParaRPr lang="en-US" b="1" dirty="0"/>
           </a:p>
         </p:txBody>
       </p:sp>
@@ -15318,10 +15611,9 @@
           <a:lstStyle/>
           <a:p>
             <a:r>
-              <a:rPr lang="en-US" b="1" dirty="0" smtClean="0"/>
+              <a:rPr lang="en-US" b="1" dirty="0"/>
               <a:t>Ex-post clustering</a:t>
             </a:r>
-            <a:endParaRPr lang="en-US" b="1" dirty="0"/>
           </a:p>
         </p:txBody>
       </p:sp>
@@ -15348,10 +15640,9 @@
           <a:lstStyle/>
           <a:p>
             <a:r>
-              <a:rPr lang="en-US" sz="1500" b="1" dirty="0" smtClean="0"/>
+              <a:rPr lang="en-US" sz="1500" b="1" dirty="0"/>
               <a:t>NN-assisted Ex-post clustering</a:t>
             </a:r>
-            <a:endParaRPr lang="en-US" sz="1500" b="1" dirty="0"/>
           </a:p>
         </p:txBody>
       </p:sp>
@@ -15552,6 +15843,13 @@
               <a:schemeClr val="lt1"/>
             </a:fontRef>
           </p:style>
+          <p:txBody>
+            <a:bodyPr/>
+            <a:lstStyle/>
+            <a:p>
+              <a:endParaRPr lang="en-US"/>
+            </a:p>
+          </p:txBody>
         </p:sp>
         <p:sp>
           <p:nvSpPr>
@@ -15730,6 +16028,13 @@
               <a:schemeClr val="lt1"/>
             </a:fontRef>
           </p:style>
+          <p:txBody>
+            <a:bodyPr/>
+            <a:lstStyle/>
+            <a:p>
+              <a:endParaRPr lang="en-US"/>
+            </a:p>
+          </p:txBody>
         </p:sp>
         <p:sp>
           <p:nvSpPr>
@@ -15948,6 +16253,13 @@
               <a:schemeClr val="lt1"/>
             </a:fontRef>
           </p:style>
+          <p:txBody>
+            <a:bodyPr/>
+            <a:lstStyle/>
+            <a:p>
+              <a:endParaRPr lang="en-US"/>
+            </a:p>
+          </p:txBody>
         </p:sp>
         <p:sp>
           <p:nvSpPr>
@@ -16152,6 +16464,13 @@
               <a:schemeClr val="dk1"/>
             </a:fontRef>
           </p:style>
+          <p:txBody>
+            <a:bodyPr/>
+            <a:lstStyle/>
+            <a:p>
+              <a:endParaRPr lang="en-US"/>
+            </a:p>
+          </p:txBody>
         </p:sp>
         <p:sp>
           <p:nvSpPr>
@@ -16286,6 +16605,13 @@
               <a:schemeClr val="lt1"/>
             </a:fontRef>
           </p:style>
+          <p:txBody>
+            <a:bodyPr/>
+            <a:lstStyle/>
+            <a:p>
+              <a:endParaRPr lang="en-US"/>
+            </a:p>
+          </p:txBody>
         </p:sp>
         <p:sp>
           <p:nvSpPr>
@@ -16420,10 +16746,9 @@
           <a:p>
             <a:pPr algn="ctr"/>
             <a:r>
-              <a:rPr lang="en-GB" sz="1100" b="1" dirty="0" smtClean="0"/>
+              <a:rPr lang="en-GB" sz="1100" b="1" dirty="0"/>
               <a:t>Relaxed ESOM</a:t>
             </a:r>
-            <a:endParaRPr lang="en-GB" sz="1100" b="1" dirty="0"/>
           </a:p>
         </p:txBody>
       </p:sp>
@@ -16584,10 +16909,9 @@
           <a:p>
             <a:pPr algn="ctr"/>
             <a:r>
-              <a:rPr lang="en-GB" sz="1100" b="1" dirty="0" smtClean="0"/>
+              <a:rPr lang="en-GB" sz="1100" b="1" dirty="0"/>
               <a:t>Relaxed ESOM</a:t>
             </a:r>
-            <a:endParaRPr lang="en-GB" sz="1100" b="1" dirty="0"/>
           </a:p>
         </p:txBody>
       </p:sp>
@@ -16711,6 +17035,13 @@
               <a:schemeClr val="lt1"/>
             </a:fontRef>
           </p:style>
+          <p:txBody>
+            <a:bodyPr/>
+            <a:lstStyle/>
+            <a:p>
+              <a:endParaRPr lang="en-US"/>
+            </a:p>
+          </p:txBody>
         </p:sp>
         <p:sp>
           <p:nvSpPr>
@@ -16766,10 +17097,9 @@
                 <a:buNone/>
               </a:pPr>
               <a:r>
-                <a:rPr lang="en-US" sz="1100" b="1" kern="1200" dirty="0" smtClean="0"/>
+                <a:rPr lang="en-US" sz="1100" b="1" kern="1200" dirty="0"/>
                 <a:t>ML algorithm</a:t>
               </a:r>
-              <a:endParaRPr lang="en-US" sz="1100" b="1" kern="1200" dirty="0"/>
             </a:p>
           </p:txBody>
         </p:sp>
@@ -16846,10 +17176,9 @@
           <a:p>
             <a:pPr algn="ctr"/>
             <a:r>
-              <a:rPr lang="en-GB" sz="1100" b="1" dirty="0" smtClean="0"/>
+              <a:rPr lang="en-GB" sz="1100" b="1" dirty="0"/>
               <a:t>Training</a:t>
             </a:r>
-            <a:endParaRPr lang="en-GB" sz="1100" b="1" dirty="0"/>
           </a:p>
         </p:txBody>
       </p:sp>
@@ -17081,6 +17410,13 @@
               <a:schemeClr val="lt1"/>
             </a:fontRef>
           </p:style>
+          <p:txBody>
+            <a:bodyPr/>
+            <a:lstStyle/>
+            <a:p>
+              <a:endParaRPr lang="en-US"/>
+            </a:p>
+          </p:txBody>
         </p:sp>
         <p:sp>
           <p:nvSpPr>
@@ -17215,10 +17551,9 @@
           <a:p>
             <a:pPr algn="ctr"/>
             <a:r>
-              <a:rPr lang="en-GB" sz="1100" b="1" dirty="0" smtClean="0"/>
+              <a:rPr lang="en-GB" sz="1100" b="1" dirty="0"/>
               <a:t>Evaluation</a:t>
             </a:r>
-            <a:endParaRPr lang="en-GB" sz="1100" b="1" dirty="0"/>
           </a:p>
         </p:txBody>
       </p:sp>
@@ -17437,10 +17772,9 @@
           <a:lstStyle/>
           <a:p>
             <a:r>
-              <a:rPr lang="en-US" b="1" dirty="0" smtClean="0"/>
+              <a:rPr lang="en-US" b="1" dirty="0"/>
               <a:t>No temporal reduction</a:t>
             </a:r>
-            <a:endParaRPr lang="en-US" b="1" dirty="0"/>
           </a:p>
         </p:txBody>
       </p:sp>
@@ -17467,10 +17801,9 @@
           <a:lstStyle/>
           <a:p>
             <a:r>
-              <a:rPr lang="en-US" b="1" dirty="0" smtClean="0"/>
+              <a:rPr lang="en-US" b="1" dirty="0"/>
               <a:t>Input-based clustering</a:t>
             </a:r>
-            <a:endParaRPr lang="en-US" b="1" dirty="0"/>
           </a:p>
         </p:txBody>
       </p:sp>
@@ -17497,10 +17830,9 @@
           <a:lstStyle/>
           <a:p>
             <a:r>
-              <a:rPr lang="en-US" b="1" dirty="0" smtClean="0"/>
+              <a:rPr lang="en-US" b="1" dirty="0"/>
               <a:t>Ex-post clustering</a:t>
             </a:r>
-            <a:endParaRPr lang="en-US" b="1" dirty="0"/>
           </a:p>
         </p:txBody>
       </p:sp>
@@ -17527,10 +17859,9 @@
           <a:lstStyle/>
           <a:p>
             <a:r>
-              <a:rPr lang="en-US" sz="1500" b="1" dirty="0" smtClean="0"/>
+              <a:rPr lang="en-US" sz="1500" b="1" dirty="0"/>
               <a:t>NN-assisted Ex-post clustering</a:t>
             </a:r>
-            <a:endParaRPr lang="en-US" sz="1500" b="1" dirty="0"/>
           </a:p>
         </p:txBody>
       </p:sp>
@@ -17566,7 +17897,13 @@
       </p:grpSpPr>
       <p:sp>
         <p:nvSpPr>
-          <p:cNvPr id="3" name="Footer Placeholder 2"/>
+          <p:cNvPr id="2" name="Footer Placeholder 1">
+            <a:extLst>
+              <a:ext uri="{FF2B5EF4-FFF2-40B4-BE49-F238E27FC236}">
+                <a16:creationId xmlns:a16="http://schemas.microsoft.com/office/drawing/2014/main" id="{14A7DCED-CC23-1C8C-5130-E4FE6BB0463A}"/>
+              </a:ext>
+            </a:extLst>
+          </p:cNvPr>
           <p:cNvSpPr>
             <a:spLocks noGrp="1"/>
           </p:cNvSpPr>
@@ -17580,16 +17917,21 @@
           <a:lstStyle/>
           <a:p>
             <a:r>
-              <a:rPr lang="nl-NL" smtClean="0"/>
+              <a:rPr lang="nl-NL"/>
               <a:t>Ingenieurswetenschappen, Werktuigkunde, TME</a:t>
             </a:r>
-            <a:endParaRPr lang="nl-NL"/>
           </a:p>
         </p:txBody>
       </p:sp>
       <p:sp>
         <p:nvSpPr>
-          <p:cNvPr id="4" name="Slide Number Placeholder 3"/>
+          <p:cNvPr id="3" name="Slide Number Placeholder 2">
+            <a:extLst>
+              <a:ext uri="{FF2B5EF4-FFF2-40B4-BE49-F238E27FC236}">
+                <a16:creationId xmlns:a16="http://schemas.microsoft.com/office/drawing/2014/main" id="{EF0AEDB9-57D2-2E03-5DEF-5A21D06AD9BA}"/>
+              </a:ext>
+            </a:extLst>
+          </p:cNvPr>
           <p:cNvSpPr>
             <a:spLocks noGrp="1"/>
           </p:cNvSpPr>
@@ -17610,10 +17952,602 @@
           </a:p>
         </p:txBody>
       </p:sp>
+      <p:sp>
+        <p:nvSpPr>
+          <p:cNvPr id="4" name="Title 3">
+            <a:extLst>
+              <a:ext uri="{FF2B5EF4-FFF2-40B4-BE49-F238E27FC236}">
+                <a16:creationId xmlns:a16="http://schemas.microsoft.com/office/drawing/2014/main" id="{BB15786B-9627-47A3-BDD1-5416F114454D}"/>
+              </a:ext>
+            </a:extLst>
+          </p:cNvPr>
+          <p:cNvSpPr>
+            <a:spLocks noGrp="1"/>
+          </p:cNvSpPr>
+          <p:nvPr>
+            <p:ph type="title"/>
+          </p:nvPr>
+        </p:nvSpPr>
+        <p:spPr/>
+        <p:txBody>
+          <a:bodyPr/>
+          <a:lstStyle/>
+          <a:p>
+            <a:r>
+              <a:rPr lang="en-US" dirty="0"/>
+              <a:t>Results: 3-bus</a:t>
+            </a:r>
+          </a:p>
+        </p:txBody>
+      </p:sp>
+      <p:pic>
+        <p:nvPicPr>
+          <p:cNvPr id="9" name="Picture 8">
+            <a:extLst>
+              <a:ext uri="{FF2B5EF4-FFF2-40B4-BE49-F238E27FC236}">
+                <a16:creationId xmlns:a16="http://schemas.microsoft.com/office/drawing/2014/main" id="{7649C9D8-ACBD-86E2-38D9-E4F9B9D10E76}"/>
+              </a:ext>
+            </a:extLst>
+          </p:cNvPr>
+          <p:cNvPicPr>
+            <a:picLocks noChangeAspect="1"/>
+          </p:cNvPicPr>
+          <p:nvPr/>
+        </p:nvPicPr>
+        <p:blipFill>
+          <a:blip r:embed="rId2"/>
+          <a:srcRect/>
+          <a:stretch/>
+        </p:blipFill>
+        <p:spPr>
+          <a:xfrm>
+            <a:off x="505917" y="4260454"/>
+            <a:ext cx="3350091" cy="1952625"/>
+          </a:xfrm>
+          <a:prstGeom prst="rect">
+            <a:avLst/>
+          </a:prstGeom>
+        </p:spPr>
+      </p:pic>
+      <p:pic>
+        <p:nvPicPr>
+          <p:cNvPr id="15" name="Picture 14" descr="A chart of different colored bars&#10;&#10;Description automatically generated with medium confidence">
+            <a:extLst>
+              <a:ext uri="{FF2B5EF4-FFF2-40B4-BE49-F238E27FC236}">
+                <a16:creationId xmlns:a16="http://schemas.microsoft.com/office/drawing/2014/main" id="{15C90244-57D9-A67C-BD6C-308A844F6B0F}"/>
+              </a:ext>
+            </a:extLst>
+          </p:cNvPr>
+          <p:cNvPicPr>
+            <a:picLocks noChangeAspect="1"/>
+          </p:cNvPicPr>
+          <p:nvPr/>
+        </p:nvPicPr>
+        <p:blipFill>
+          <a:blip r:embed="rId3"/>
+          <a:stretch>
+            <a:fillRect/>
+          </a:stretch>
+        </p:blipFill>
+        <p:spPr>
+          <a:xfrm>
+            <a:off x="576000" y="1225247"/>
+            <a:ext cx="2762250" cy="2905125"/>
+          </a:xfrm>
+          <a:prstGeom prst="rect">
+            <a:avLst/>
+          </a:prstGeom>
+        </p:spPr>
+      </p:pic>
+      <p:pic>
+        <p:nvPicPr>
+          <p:cNvPr id="5" name="Picture 4"/>
+          <p:cNvPicPr>
+            <a:picLocks noChangeAspect="1"/>
+          </p:cNvPicPr>
+          <p:nvPr/>
+        </p:nvPicPr>
+        <p:blipFill>
+          <a:blip r:embed="rId4">
+            <a:extLst>
+              <a:ext uri="{28A0092B-C50C-407E-A947-70E740481C1C}">
+                <a14:useLocalDpi xmlns:a14="http://schemas.microsoft.com/office/drawing/2010/main" val="0"/>
+              </a:ext>
+            </a:extLst>
+          </a:blip>
+          <a:stretch>
+            <a:fillRect/>
+          </a:stretch>
+        </p:blipFill>
+        <p:spPr>
+          <a:xfrm>
+            <a:off x="7906180" y="-79390"/>
+            <a:ext cx="4246187" cy="3184640"/>
+          </a:xfrm>
+          <a:prstGeom prst="rect">
+            <a:avLst/>
+          </a:prstGeom>
+        </p:spPr>
+      </p:pic>
+      <p:pic>
+        <p:nvPicPr>
+          <p:cNvPr id="6" name="Picture 5"/>
+          <p:cNvPicPr>
+            <a:picLocks noChangeAspect="1"/>
+          </p:cNvPicPr>
+          <p:nvPr/>
+        </p:nvPicPr>
+        <p:blipFill>
+          <a:blip r:embed="rId5"/>
+          <a:stretch>
+            <a:fillRect/>
+          </a:stretch>
+        </p:blipFill>
+        <p:spPr>
+          <a:xfrm>
+            <a:off x="4698444" y="2963102"/>
+            <a:ext cx="4333303" cy="3249977"/>
+          </a:xfrm>
+          <a:prstGeom prst="rect">
+            <a:avLst/>
+          </a:prstGeom>
+        </p:spPr>
+      </p:pic>
     </p:spTree>
     <p:extLst>
       <p:ext uri="{BB962C8B-B14F-4D97-AF65-F5344CB8AC3E}">
-        <p14:creationId xmlns:p14="http://schemas.microsoft.com/office/powerpoint/2010/main" val="2422448940"/>
+        <p14:creationId xmlns:p14="http://schemas.microsoft.com/office/powerpoint/2010/main" val="470371118"/>
+      </p:ext>
+    </p:extLst>
+  </p:cSld>
+  <p:clrMapOvr>
+    <a:masterClrMapping/>
+  </p:clrMapOvr>
+</p:sld>
+</file>
+
+<file path=ppt/slides/slide7.xml><?xml version="1.0" encoding="utf-8"?>
+<p:sld xmlns:a="http://schemas.openxmlformats.org/drawingml/2006/main" xmlns:r="http://schemas.openxmlformats.org/officeDocument/2006/relationships" xmlns:p="http://schemas.openxmlformats.org/presentationml/2006/main">
+  <p:cSld>
+    <p:spTree>
+      <p:nvGrpSpPr>
+        <p:cNvPr id="1" name=""/>
+        <p:cNvGrpSpPr/>
+        <p:nvPr/>
+      </p:nvGrpSpPr>
+      <p:grpSpPr>
+        <a:xfrm>
+          <a:off x="0" y="0"/>
+          <a:ext cx="0" cy="0"/>
+          <a:chOff x="0" y="0"/>
+          <a:chExt cx="0" cy="0"/>
+        </a:xfrm>
+      </p:grpSpPr>
+      <p:sp>
+        <p:nvSpPr>
+          <p:cNvPr id="2" name="Footer Placeholder 1">
+            <a:extLst>
+              <a:ext uri="{FF2B5EF4-FFF2-40B4-BE49-F238E27FC236}">
+                <a16:creationId xmlns:a16="http://schemas.microsoft.com/office/drawing/2014/main" id="{14A7DCED-CC23-1C8C-5130-E4FE6BB0463A}"/>
+              </a:ext>
+            </a:extLst>
+          </p:cNvPr>
+          <p:cNvSpPr>
+            <a:spLocks noGrp="1"/>
+          </p:cNvSpPr>
+          <p:nvPr>
+            <p:ph type="ftr" sz="quarter" idx="11"/>
+          </p:nvPr>
+        </p:nvSpPr>
+        <p:spPr/>
+        <p:txBody>
+          <a:bodyPr/>
+          <a:lstStyle/>
+          <a:p>
+            <a:r>
+              <a:rPr lang="nl-NL"/>
+              <a:t>Ingenieurswetenschappen, Werktuigkunde, TME</a:t>
+            </a:r>
+          </a:p>
+        </p:txBody>
+      </p:sp>
+      <p:sp>
+        <p:nvSpPr>
+          <p:cNvPr id="3" name="Slide Number Placeholder 2">
+            <a:extLst>
+              <a:ext uri="{FF2B5EF4-FFF2-40B4-BE49-F238E27FC236}">
+                <a16:creationId xmlns:a16="http://schemas.microsoft.com/office/drawing/2014/main" id="{EF0AEDB9-57D2-2E03-5DEF-5A21D06AD9BA}"/>
+              </a:ext>
+            </a:extLst>
+          </p:cNvPr>
+          <p:cNvSpPr>
+            <a:spLocks noGrp="1"/>
+          </p:cNvSpPr>
+          <p:nvPr>
+            <p:ph type="sldNum" sz="quarter" idx="12"/>
+          </p:nvPr>
+        </p:nvSpPr>
+        <p:spPr/>
+        <p:txBody>
+          <a:bodyPr/>
+          <a:lstStyle/>
+          <a:p>
+            <a:fld id="{0A297500-7527-634B-90F4-69D0994C32B4}" type="slidenum">
+              <a:rPr lang="nl-NL" smtClean="0"/>
+              <a:t>7</a:t>
+            </a:fld>
+            <a:endParaRPr lang="nl-NL"/>
+          </a:p>
+        </p:txBody>
+      </p:sp>
+      <p:sp>
+        <p:nvSpPr>
+          <p:cNvPr id="4" name="Title 3">
+            <a:extLst>
+              <a:ext uri="{FF2B5EF4-FFF2-40B4-BE49-F238E27FC236}">
+                <a16:creationId xmlns:a16="http://schemas.microsoft.com/office/drawing/2014/main" id="{BB15786B-9627-47A3-BDD1-5416F114454D}"/>
+              </a:ext>
+            </a:extLst>
+          </p:cNvPr>
+          <p:cNvSpPr>
+            <a:spLocks noGrp="1"/>
+          </p:cNvSpPr>
+          <p:nvPr>
+            <p:ph type="title"/>
+          </p:nvPr>
+        </p:nvSpPr>
+        <p:spPr/>
+        <p:txBody>
+          <a:bodyPr/>
+          <a:lstStyle/>
+          <a:p>
+            <a:r>
+              <a:rPr lang="en-US" dirty="0"/>
+              <a:t>Results: 9n</a:t>
+            </a:r>
+          </a:p>
+        </p:txBody>
+      </p:sp>
+      <p:pic>
+        <p:nvPicPr>
+          <p:cNvPr id="9" name="Picture 8">
+            <a:extLst>
+              <a:ext uri="{FF2B5EF4-FFF2-40B4-BE49-F238E27FC236}">
+                <a16:creationId xmlns:a16="http://schemas.microsoft.com/office/drawing/2014/main" id="{7649C9D8-ACBD-86E2-38D9-E4F9B9D10E76}"/>
+              </a:ext>
+            </a:extLst>
+          </p:cNvPr>
+          <p:cNvPicPr>
+            <a:picLocks noChangeAspect="1"/>
+          </p:cNvPicPr>
+          <p:nvPr/>
+        </p:nvPicPr>
+        <p:blipFill>
+          <a:blip r:embed="rId2"/>
+          <a:srcRect/>
+          <a:stretch/>
+        </p:blipFill>
+        <p:spPr>
+          <a:xfrm>
+            <a:off x="490275" y="4284266"/>
+            <a:ext cx="3381375" cy="1905000"/>
+          </a:xfrm>
+          <a:prstGeom prst="rect">
+            <a:avLst/>
+          </a:prstGeom>
+        </p:spPr>
+      </p:pic>
+      <p:pic>
+        <p:nvPicPr>
+          <p:cNvPr id="7" name="Picture 6" descr="A group of colorful bars with text&#10;&#10;Description automatically generated with medium confidence">
+            <a:extLst>
+              <a:ext uri="{FF2B5EF4-FFF2-40B4-BE49-F238E27FC236}">
+                <a16:creationId xmlns:a16="http://schemas.microsoft.com/office/drawing/2014/main" id="{4E3137A4-E92C-C24B-89E6-704BD688623C}"/>
+              </a:ext>
+            </a:extLst>
+          </p:cNvPr>
+          <p:cNvPicPr>
+            <a:picLocks noChangeAspect="1"/>
+          </p:cNvPicPr>
+          <p:nvPr/>
+        </p:nvPicPr>
+        <p:blipFill>
+          <a:blip r:embed="rId3"/>
+          <a:stretch>
+            <a:fillRect/>
+          </a:stretch>
+        </p:blipFill>
+        <p:spPr>
+          <a:xfrm>
+            <a:off x="576000" y="1144983"/>
+            <a:ext cx="4019550" cy="2905125"/>
+          </a:xfrm>
+          <a:prstGeom prst="rect">
+            <a:avLst/>
+          </a:prstGeom>
+        </p:spPr>
+      </p:pic>
+      <p:pic>
+        <p:nvPicPr>
+          <p:cNvPr id="5" name="Picture 4"/>
+          <p:cNvPicPr>
+            <a:picLocks noChangeAspect="1"/>
+          </p:cNvPicPr>
+          <p:nvPr/>
+        </p:nvPicPr>
+        <p:blipFill>
+          <a:blip r:embed="rId4"/>
+          <a:stretch>
+            <a:fillRect/>
+          </a:stretch>
+        </p:blipFill>
+        <p:spPr>
+          <a:xfrm>
+            <a:off x="7557804" y="71493"/>
+            <a:ext cx="4634196" cy="3475647"/>
+          </a:xfrm>
+          <a:prstGeom prst="rect">
+            <a:avLst/>
+          </a:prstGeom>
+        </p:spPr>
+      </p:pic>
+      <p:pic>
+        <p:nvPicPr>
+          <p:cNvPr id="6" name="Picture 5"/>
+          <p:cNvPicPr>
+            <a:picLocks noChangeAspect="1"/>
+          </p:cNvPicPr>
+          <p:nvPr/>
+        </p:nvPicPr>
+        <p:blipFill>
+          <a:blip r:embed="rId5"/>
+          <a:stretch>
+            <a:fillRect/>
+          </a:stretch>
+        </p:blipFill>
+        <p:spPr>
+          <a:xfrm>
+            <a:off x="5180948" y="3209109"/>
+            <a:ext cx="4119154" cy="3089366"/>
+          </a:xfrm>
+          <a:prstGeom prst="rect">
+            <a:avLst/>
+          </a:prstGeom>
+        </p:spPr>
+      </p:pic>
+    </p:spTree>
+    <p:extLst>
+      <p:ext uri="{BB962C8B-B14F-4D97-AF65-F5344CB8AC3E}">
+        <p14:creationId xmlns:p14="http://schemas.microsoft.com/office/powerpoint/2010/main" val="112422824"/>
+      </p:ext>
+    </p:extLst>
+  </p:cSld>
+  <p:clrMapOvr>
+    <a:masterClrMapping/>
+  </p:clrMapOvr>
+</p:sld>
+</file>
+
+<file path=ppt/slides/slide8.xml><?xml version="1.0" encoding="utf-8"?>
+<p:sld xmlns:a="http://schemas.openxmlformats.org/drawingml/2006/main" xmlns:r="http://schemas.openxmlformats.org/officeDocument/2006/relationships" xmlns:p="http://schemas.openxmlformats.org/presentationml/2006/main">
+  <p:cSld>
+    <p:spTree>
+      <p:nvGrpSpPr>
+        <p:cNvPr id="1" name=""/>
+        <p:cNvGrpSpPr/>
+        <p:nvPr/>
+      </p:nvGrpSpPr>
+      <p:grpSpPr>
+        <a:xfrm>
+          <a:off x="0" y="0"/>
+          <a:ext cx="0" cy="0"/>
+          <a:chOff x="0" y="0"/>
+          <a:chExt cx="0" cy="0"/>
+        </a:xfrm>
+      </p:grpSpPr>
+      <p:sp>
+        <p:nvSpPr>
+          <p:cNvPr id="2" name="Footer Placeholder 1">
+            <a:extLst>
+              <a:ext uri="{FF2B5EF4-FFF2-40B4-BE49-F238E27FC236}">
+                <a16:creationId xmlns:a16="http://schemas.microsoft.com/office/drawing/2014/main" id="{14A7DCED-CC23-1C8C-5130-E4FE6BB0463A}"/>
+              </a:ext>
+            </a:extLst>
+          </p:cNvPr>
+          <p:cNvSpPr>
+            <a:spLocks noGrp="1"/>
+          </p:cNvSpPr>
+          <p:nvPr>
+            <p:ph type="ftr" sz="quarter" idx="11"/>
+          </p:nvPr>
+        </p:nvSpPr>
+        <p:spPr/>
+        <p:txBody>
+          <a:bodyPr/>
+          <a:lstStyle/>
+          <a:p>
+            <a:r>
+              <a:rPr lang="nl-NL"/>
+              <a:t>Ingenieurswetenschappen, Werktuigkunde, TME</a:t>
+            </a:r>
+          </a:p>
+        </p:txBody>
+      </p:sp>
+      <p:sp>
+        <p:nvSpPr>
+          <p:cNvPr id="3" name="Slide Number Placeholder 2">
+            <a:extLst>
+              <a:ext uri="{FF2B5EF4-FFF2-40B4-BE49-F238E27FC236}">
+                <a16:creationId xmlns:a16="http://schemas.microsoft.com/office/drawing/2014/main" id="{EF0AEDB9-57D2-2E03-5DEF-5A21D06AD9BA}"/>
+              </a:ext>
+            </a:extLst>
+          </p:cNvPr>
+          <p:cNvSpPr>
+            <a:spLocks noGrp="1"/>
+          </p:cNvSpPr>
+          <p:nvPr>
+            <p:ph type="sldNum" sz="quarter" idx="12"/>
+          </p:nvPr>
+        </p:nvSpPr>
+        <p:spPr/>
+        <p:txBody>
+          <a:bodyPr/>
+          <a:lstStyle/>
+          <a:p>
+            <a:fld id="{0A297500-7527-634B-90F4-69D0994C32B4}" type="slidenum">
+              <a:rPr lang="nl-NL" smtClean="0"/>
+              <a:t>8</a:t>
+            </a:fld>
+            <a:endParaRPr lang="nl-NL"/>
+          </a:p>
+        </p:txBody>
+      </p:sp>
+      <p:sp>
+        <p:nvSpPr>
+          <p:cNvPr id="4" name="Title 3">
+            <a:extLst>
+              <a:ext uri="{FF2B5EF4-FFF2-40B4-BE49-F238E27FC236}">
+                <a16:creationId xmlns:a16="http://schemas.microsoft.com/office/drawing/2014/main" id="{BB15786B-9627-47A3-BDD1-5416F114454D}"/>
+              </a:ext>
+            </a:extLst>
+          </p:cNvPr>
+          <p:cNvSpPr>
+            <a:spLocks noGrp="1"/>
+          </p:cNvSpPr>
+          <p:nvPr>
+            <p:ph type="title"/>
+          </p:nvPr>
+        </p:nvSpPr>
+        <p:spPr/>
+        <p:txBody>
+          <a:bodyPr/>
+          <a:lstStyle/>
+          <a:p>
+            <a:r>
+              <a:rPr lang="en-US" dirty="0"/>
+              <a:t>Results: RTS24</a:t>
+            </a:r>
+          </a:p>
+        </p:txBody>
+      </p:sp>
+      <p:pic>
+        <p:nvPicPr>
+          <p:cNvPr id="5" name="Graphic 4">
+            <a:extLst>
+              <a:ext uri="{FF2B5EF4-FFF2-40B4-BE49-F238E27FC236}">
+                <a16:creationId xmlns:a16="http://schemas.microsoft.com/office/drawing/2014/main" id="{2E5DDB08-F509-BCB3-8846-7A2FC6DE5F50}"/>
+              </a:ext>
+            </a:extLst>
+          </p:cNvPr>
+          <p:cNvPicPr>
+            <a:picLocks noChangeAspect="1"/>
+          </p:cNvPicPr>
+          <p:nvPr/>
+        </p:nvPicPr>
+        <p:blipFill>
+          <a:blip r:embed="rId2">
+            <a:extLst>
+              <a:ext uri="{96DAC541-7B7A-43D3-8B79-37D633B846F1}">
+                <asvg:svgBlip xmlns:asvg="http://schemas.microsoft.com/office/drawing/2016/SVG/main" xmlns="" r:embed="rId3"/>
+              </a:ext>
+            </a:extLst>
+          </a:blip>
+          <a:stretch>
+            <a:fillRect/>
+          </a:stretch>
+        </p:blipFill>
+        <p:spPr>
+          <a:xfrm>
+            <a:off x="490275" y="1269339"/>
+            <a:ext cx="8382000" cy="2905125"/>
+          </a:xfrm>
+          <a:prstGeom prst="rect">
+            <a:avLst/>
+          </a:prstGeom>
+        </p:spPr>
+      </p:pic>
+      <p:pic>
+        <p:nvPicPr>
+          <p:cNvPr id="9" name="Picture 8" descr="A graph of a number of different colored squares&#10;&#10;Description automatically generated with medium confidence">
+            <a:extLst>
+              <a:ext uri="{FF2B5EF4-FFF2-40B4-BE49-F238E27FC236}">
+                <a16:creationId xmlns:a16="http://schemas.microsoft.com/office/drawing/2014/main" id="{7649C9D8-ACBD-86E2-38D9-E4F9B9D10E76}"/>
+              </a:ext>
+            </a:extLst>
+          </p:cNvPr>
+          <p:cNvPicPr>
+            <a:picLocks noChangeAspect="1"/>
+          </p:cNvPicPr>
+          <p:nvPr/>
+        </p:nvPicPr>
+        <p:blipFill>
+          <a:blip r:embed="rId4"/>
+          <a:stretch>
+            <a:fillRect/>
+          </a:stretch>
+        </p:blipFill>
+        <p:spPr>
+          <a:xfrm>
+            <a:off x="490275" y="4260454"/>
+            <a:ext cx="3381375" cy="1952625"/>
+          </a:xfrm>
+          <a:prstGeom prst="rect">
+            <a:avLst/>
+          </a:prstGeom>
+        </p:spPr>
+      </p:pic>
+      <p:pic>
+        <p:nvPicPr>
+          <p:cNvPr id="6" name="Picture 5"/>
+          <p:cNvPicPr>
+            <a:picLocks noChangeAspect="1"/>
+          </p:cNvPicPr>
+          <p:nvPr/>
+        </p:nvPicPr>
+        <p:blipFill>
+          <a:blip r:embed="rId5"/>
+          <a:stretch>
+            <a:fillRect/>
+          </a:stretch>
+        </p:blipFill>
+        <p:spPr>
+          <a:xfrm>
+            <a:off x="8778240" y="3678954"/>
+            <a:ext cx="3374726" cy="2531045"/>
+          </a:xfrm>
+          <a:prstGeom prst="rect">
+            <a:avLst/>
+          </a:prstGeom>
+        </p:spPr>
+      </p:pic>
+      <p:pic>
+        <p:nvPicPr>
+          <p:cNvPr id="7" name="Picture 6"/>
+          <p:cNvPicPr>
+            <a:picLocks noChangeAspect="1"/>
+          </p:cNvPicPr>
+          <p:nvPr/>
+        </p:nvPicPr>
+        <p:blipFill>
+          <a:blip r:embed="rId6"/>
+          <a:stretch>
+            <a:fillRect/>
+          </a:stretch>
+        </p:blipFill>
+        <p:spPr>
+          <a:xfrm>
+            <a:off x="8788246" y="670916"/>
+            <a:ext cx="3448749" cy="2586562"/>
+          </a:xfrm>
+          <a:prstGeom prst="rect">
+            <a:avLst/>
+          </a:prstGeom>
+        </p:spPr>
+      </p:pic>
+    </p:spTree>
+    <p:extLst>
+      <p:ext uri="{BB962C8B-B14F-4D97-AF65-F5344CB8AC3E}">
+        <p14:creationId xmlns:p14="http://schemas.microsoft.com/office/powerpoint/2010/main" val="356837687"/>
       </p:ext>
     </p:extLst>
   </p:cSld>
@@ -18668,8 +19602,25 @@
 </file>
 
 <file path=customXml/item1.xml><?xml version="1.0" encoding="utf-8"?>
-<ct:contentTypeSchema xmlns:ct="http://schemas.microsoft.com/office/2006/metadata/contentType" xmlns:ma="http://schemas.microsoft.com/office/2006/metadata/properties/metaAttributes" ct:_="" ma:_="" ma:contentTypeName="Document" ma:contentTypeID="0x010100AF89B70DD9C08446A8443DF534F7285E" ma:contentTypeVersion="13" ma:contentTypeDescription="Create a new document." ma:contentTypeScope="" ma:versionID="ecc4e1277db930f2a9760bc5b361f436">
-  <xsd:schema xmlns:xsd="http://www.w3.org/2001/XMLSchema" xmlns:xs="http://www.w3.org/2001/XMLSchema" xmlns:p="http://schemas.microsoft.com/office/2006/metadata/properties" xmlns:ns3="fd689c1b-2561-4a46-ae04-6449f963ff76" xmlns:ns4="04677cab-20cd-44d8-974c-14c664890eaa" targetNamespace="http://schemas.microsoft.com/office/2006/metadata/properties" ma:root="true" ma:fieldsID="494f09148d3a63d1912cdfb9c603bec2" ns3:_="" ns4:_="">
+<?mso-contentType ?>
+<FormTemplates xmlns="http://schemas.microsoft.com/sharepoint/v3/contenttype/forms">
+  <Display>DocumentLibraryForm</Display>
+  <Edit>DocumentLibraryForm</Edit>
+  <New>DocumentLibraryForm</New>
+</FormTemplates>
+</file>
+
+<file path=customXml/item2.xml><?xml version="1.0" encoding="utf-8"?>
+<p:properties xmlns:p="http://schemas.microsoft.com/office/2006/metadata/properties" xmlns:xsi="http://www.w3.org/2001/XMLSchema-instance" xmlns:pc="http://schemas.microsoft.com/office/infopath/2007/PartnerControls">
+  <documentManagement>
+    <_activity xmlns="fd689c1b-2561-4a46-ae04-6449f963ff76" xsi:nil="true"/>
+  </documentManagement>
+</p:properties>
+</file>
+
+<file path=customXml/item3.xml><?xml version="1.0" encoding="utf-8"?>
+<ct:contentTypeSchema xmlns:ct="http://schemas.microsoft.com/office/2006/metadata/contentType" xmlns:ma="http://schemas.microsoft.com/office/2006/metadata/properties/metaAttributes" ct:_="" ma:_="" ma:contentTypeName="Document" ma:contentTypeID="0x010100AF89B70DD9C08446A8443DF534F7285E" ma:contentTypeVersion="14" ma:contentTypeDescription="Create a new document." ma:contentTypeScope="" ma:versionID="f006d6ad1234e3aadebe52c1e719ca81">
+  <xsd:schema xmlns:xsd="http://www.w3.org/2001/XMLSchema" xmlns:xs="http://www.w3.org/2001/XMLSchema" xmlns:p="http://schemas.microsoft.com/office/2006/metadata/properties" xmlns:ns3="fd689c1b-2561-4a46-ae04-6449f963ff76" xmlns:ns4="04677cab-20cd-44d8-974c-14c664890eaa" targetNamespace="http://schemas.microsoft.com/office/2006/metadata/properties" ma:root="true" ma:fieldsID="0159f6c056af04b2ce44ac242029c1e1" ns3:_="" ns4:_="">
     <xsd:import namespace="fd689c1b-2561-4a46-ae04-6449f963ff76"/>
     <xsd:import namespace="04677cab-20cd-44d8-974c-14c664890eaa"/>
     <xsd:element name="properties">
@@ -18691,6 +19642,7 @@
                 <xsd:element ref="ns3:MediaServiceOCR" minOccurs="0"/>
                 <xsd:element ref="ns3:MediaServiceGenerationTime" minOccurs="0"/>
                 <xsd:element ref="ns3:MediaServiceEventHashCode" minOccurs="0"/>
+                <xsd:element ref="ns3:MediaServiceSystemTags" minOccurs="0"/>
               </xsd:all>
             </xsd:complexType>
           </xsd:element>
@@ -18751,6 +19703,11 @@
     <xsd:element name="MediaServiceEventHashCode" ma:index="20" nillable="true" ma:displayName="MediaServiceEventHashCode" ma:hidden="true" ma:internalName="MediaServiceEventHashCode" ma:readOnly="true">
       <xsd:simpleType>
         <xsd:restriction base="dms:Text"/>
+      </xsd:simpleType>
+    </xsd:element>
+    <xsd:element name="MediaServiceSystemTags" ma:index="21" nillable="true" ma:displayName="MediaServiceSystemTags" ma:hidden="true" ma:internalName="MediaServiceSystemTags" ma:readOnly="true">
+      <xsd:simpleType>
+        <xsd:restriction base="dms:Note"/>
       </xsd:simpleType>
     </xsd:element>
   </xsd:schema>
@@ -18888,25 +19845,33 @@
 </ct:contentTypeSchema>
 </file>
 
-<file path=customXml/item2.xml><?xml version="1.0" encoding="utf-8"?>
-<p:properties xmlns:p="http://schemas.microsoft.com/office/2006/metadata/properties" xmlns:xsi="http://www.w3.org/2001/XMLSchema-instance" xmlns:pc="http://schemas.microsoft.com/office/infopath/2007/PartnerControls">
-  <documentManagement>
-    <_activity xmlns="fd689c1b-2561-4a46-ae04-6449f963ff76" xsi:nil="true"/>
-  </documentManagement>
-</p:properties>
+<file path=customXml/itemProps1.xml><?xml version="1.0" encoding="utf-8"?>
+<ds:datastoreItem xmlns:ds="http://schemas.openxmlformats.org/officeDocument/2006/customXml" ds:itemID="{754D1958-5725-488F-A4D5-DA9E8FDB5252}">
+  <ds:schemaRefs>
+    <ds:schemaRef ds:uri="http://schemas.microsoft.com/sharepoint/v3/contenttype/forms"/>
+  </ds:schemaRefs>
+</ds:datastoreItem>
 </file>
 
-<file path=customXml/item3.xml><?xml version="1.0" encoding="utf-8"?>
-<?mso-contentType ?>
-<FormTemplates xmlns="http://schemas.microsoft.com/sharepoint/v3/contenttype/forms">
-  <Display>DocumentLibraryForm</Display>
-  <Edit>DocumentLibraryForm</Edit>
-  <New>DocumentLibraryForm</New>
-</FormTemplates>
+<file path=customXml/itemProps2.xml><?xml version="1.0" encoding="utf-8"?>
+<ds:datastoreItem xmlns:ds="http://schemas.openxmlformats.org/officeDocument/2006/customXml" ds:itemID="{6D3CDF3A-BF48-4B5B-B3E9-7B37F916BE05}">
+  <ds:schemaRefs>
+    <ds:schemaRef ds:uri="http://purl.org/dc/dcmitype/"/>
+    <ds:schemaRef ds:uri="http://schemas.microsoft.com/office/infopath/2007/PartnerControls"/>
+    <ds:schemaRef ds:uri="http://purl.org/dc/terms/"/>
+    <ds:schemaRef ds:uri="http://schemas.microsoft.com/office/2006/documentManagement/types"/>
+    <ds:schemaRef ds:uri="04677cab-20cd-44d8-974c-14c664890eaa"/>
+    <ds:schemaRef ds:uri="http://purl.org/dc/elements/1.1/"/>
+    <ds:schemaRef ds:uri="http://schemas.openxmlformats.org/package/2006/metadata/core-properties"/>
+    <ds:schemaRef ds:uri="fd689c1b-2561-4a46-ae04-6449f963ff76"/>
+    <ds:schemaRef ds:uri="http://schemas.microsoft.com/office/2006/metadata/properties"/>
+    <ds:schemaRef ds:uri="http://www.w3.org/XML/1998/namespace"/>
+  </ds:schemaRefs>
+</ds:datastoreItem>
 </file>
 
-<file path=customXml/itemProps1.xml><?xml version="1.0" encoding="utf-8"?>
-<ds:datastoreItem xmlns:ds="http://schemas.openxmlformats.org/officeDocument/2006/customXml" ds:itemID="{038AB51F-98E0-4779-8180-600DAF31B4BF}">
+<file path=customXml/itemProps3.xml><?xml version="1.0" encoding="utf-8"?>
+<ds:datastoreItem xmlns:ds="http://schemas.openxmlformats.org/officeDocument/2006/customXml" ds:itemID="{2051310E-8F67-4771-9B3B-644698474414}">
   <ds:schemaRefs>
     <ds:schemaRef ds:uri="http://schemas.microsoft.com/office/2006/metadata/contentType"/>
     <ds:schemaRef ds:uri="http://schemas.microsoft.com/office/2006/metadata/properties/metaAttributes"/>
@@ -18922,29 +19887,4 @@
     <ds:schemaRef ds:uri="http://schemas.microsoft.com/internal/obd"/>
   </ds:schemaRefs>
 </ds:datastoreItem>
-</file>
-
-<file path=customXml/itemProps2.xml><?xml version="1.0" encoding="utf-8"?>
-<ds:datastoreItem xmlns:ds="http://schemas.openxmlformats.org/officeDocument/2006/customXml" ds:itemID="{6D3CDF3A-BF48-4B5B-B3E9-7B37F916BE05}">
-  <ds:schemaRefs>
-    <ds:schemaRef ds:uri="http://purl.org/dc/terms/"/>
-    <ds:schemaRef ds:uri="http://schemas.openxmlformats.org/package/2006/metadata/core-properties"/>
-    <ds:schemaRef ds:uri="http://purl.org/dc/dcmitype/"/>
-    <ds:schemaRef ds:uri="http://schemas.microsoft.com/office/infopath/2007/PartnerControls"/>
-    <ds:schemaRef ds:uri="http://purl.org/dc/elements/1.1/"/>
-    <ds:schemaRef ds:uri="http://schemas.microsoft.com/office/2006/metadata/properties"/>
-    <ds:schemaRef ds:uri="04677cab-20cd-44d8-974c-14c664890eaa"/>
-    <ds:schemaRef ds:uri="http://schemas.microsoft.com/office/2006/documentManagement/types"/>
-    <ds:schemaRef ds:uri="fd689c1b-2561-4a46-ae04-6449f963ff76"/>
-    <ds:schemaRef ds:uri="http://www.w3.org/XML/1998/namespace"/>
-  </ds:schemaRefs>
-</ds:datastoreItem>
-</file>
-
-<file path=customXml/itemProps3.xml><?xml version="1.0" encoding="utf-8"?>
-<ds:datastoreItem xmlns:ds="http://schemas.openxmlformats.org/officeDocument/2006/customXml" ds:itemID="{754D1958-5725-488F-A4D5-DA9E8FDB5252}">
-  <ds:schemaRefs>
-    <ds:schemaRef ds:uri="http://schemas.microsoft.com/sharepoint/v3/contenttype/forms"/>
-  </ds:schemaRefs>
-</ds:datastoreItem>
 </file>